--- a/10-why_use_custom_resources.pptx
+++ b/10-why_use_custom_resources.pptx
@@ -252,10 +252,9 @@
               <a:defRPr/>
             </a:pPr>
             <a:r>
-              <a:rPr lang="en-US" smtClean="0"/>
+              <a:rPr lang="en-US"/>
               <a:t>Chef Intermediate</a:t>
             </a:r>
-            <a:endParaRPr lang="en-US"/>
           </a:p>
         </p:txBody>
       </p:sp>
@@ -300,7 +299,7 @@
               <a:defRPr/>
             </a:pPr>
             <a:r>
-              <a:rPr lang="en-US" smtClean="0"/>
+              <a:rPr lang="en-US"/>
               <a:t>Chef Software, Inc.</a:t>
             </a:r>
             <a:endParaRPr lang="en-US" dirty="0"/>
@@ -480,7 +479,7 @@
               <a:defRPr/>
             </a:pPr>
             <a:r>
-              <a:rPr lang="en-US" smtClean="0"/>
+              <a:rPr lang="en-US"/>
               <a:t>Chef Software, Inc.</a:t>
             </a:r>
             <a:endParaRPr lang="en-US" dirty="0"/>
@@ -548,38 +547,37 @@
           <a:p>
             <a:pPr lvl="0"/>
             <a:r>
-              <a:rPr lang="en-US" noProof="0" dirty="0" smtClean="0"/>
+              <a:rPr lang="en-US" noProof="0" dirty="0"/>
               <a:t>Click to edit Master text styles</a:t>
             </a:r>
           </a:p>
           <a:p>
             <a:pPr lvl="1"/>
             <a:r>
-              <a:rPr lang="en-US" noProof="0" dirty="0" smtClean="0"/>
+              <a:rPr lang="en-US" noProof="0" dirty="0"/>
               <a:t>Second level</a:t>
             </a:r>
           </a:p>
           <a:p>
             <a:pPr lvl="2"/>
             <a:r>
-              <a:rPr lang="en-US" noProof="0" dirty="0" smtClean="0"/>
+              <a:rPr lang="en-US" noProof="0" dirty="0"/>
               <a:t>Third level</a:t>
             </a:r>
           </a:p>
           <a:p>
             <a:pPr lvl="3"/>
             <a:r>
-              <a:rPr lang="en-US" noProof="0" dirty="0" smtClean="0"/>
+              <a:rPr lang="en-US" noProof="0" dirty="0"/>
               <a:t>Fourth level</a:t>
             </a:r>
           </a:p>
           <a:p>
             <a:pPr lvl="4"/>
             <a:r>
-              <a:rPr lang="en-US" noProof="0" dirty="0" smtClean="0"/>
+              <a:rPr lang="en-US" noProof="0" dirty="0"/>
               <a:t>Fifth level</a:t>
             </a:r>
-            <a:endParaRPr lang="en-US" noProof="0" dirty="0"/>
           </a:p>
         </p:txBody>
       </p:sp>
@@ -624,7 +622,7 @@
               <a:defRPr/>
             </a:pPr>
             <a:r>
-              <a:rPr lang="en-US" smtClean="0"/>
+              <a:rPr lang="en-US"/>
               <a:t>Chef Intermediate</a:t>
             </a:r>
             <a:endParaRPr lang="en-US" dirty="0"/>
@@ -833,10 +831,9 @@
           <a:lstStyle/>
           <a:p>
             <a:r>
-              <a:rPr lang="en-US" dirty="0" smtClean="0"/>
+              <a:rPr lang="en-US" dirty="0"/>
               <a:t>As you can see there are more than a few ways to extend Chef and create a resource or resource-like implementation within your recipes. But before we do that, it is important to understand the value that a custom resource brings to a recipes.</a:t>
             </a:r>
-            <a:endParaRPr lang="en-US" dirty="0"/>
           </a:p>
         </p:txBody>
       </p:sp>
@@ -859,10 +856,9 @@
               <a:defRPr/>
             </a:pPr>
             <a:r>
-              <a:rPr lang="en-US" smtClean="0"/>
+              <a:rPr lang="en-US"/>
               <a:t>Chef Intermediate</a:t>
             </a:r>
-            <a:endParaRPr lang="en-US"/>
           </a:p>
         </p:txBody>
       </p:sp>
@@ -885,7 +881,7 @@
               <a:defRPr/>
             </a:pPr>
             <a:r>
-              <a:rPr lang="en-US" smtClean="0"/>
+              <a:rPr lang="en-US"/>
               <a:t>Chef Software, Inc.</a:t>
             </a:r>
             <a:endParaRPr lang="en-US" dirty="0"/>
@@ -950,10 +946,9 @@
           <a:lstStyle/>
           <a:p>
             <a:r>
-              <a:rPr lang="en-US" dirty="0" smtClean="0"/>
+              <a:rPr lang="en-US" dirty="0"/>
               <a:t>Maintainability measures the code to see if it is supportable. If there is a failure are you able to quickly identify the issue? Are you able to easily adapt the solution? Is it testable?</a:t>
             </a:r>
-            <a:endParaRPr lang="en-US" dirty="0"/>
           </a:p>
         </p:txBody>
       </p:sp>
@@ -976,10 +971,9 @@
               <a:defRPr/>
             </a:pPr>
             <a:r>
-              <a:rPr lang="en-US" smtClean="0"/>
+              <a:rPr lang="en-US"/>
               <a:t>Chef Intermediate</a:t>
             </a:r>
-            <a:endParaRPr lang="en-US"/>
           </a:p>
         </p:txBody>
       </p:sp>
@@ -1002,7 +996,7 @@
               <a:defRPr/>
             </a:pPr>
             <a:r>
-              <a:rPr lang="en-US" smtClean="0"/>
+              <a:rPr lang="en-US"/>
               <a:t>Chef Software, Inc.</a:t>
             </a:r>
             <a:endParaRPr lang="en-US" dirty="0"/>
@@ -1067,10 +1061,9 @@
           <a:lstStyle/>
           <a:p>
             <a:r>
-              <a:rPr lang="en-US" dirty="0" smtClean="0"/>
+              <a:rPr lang="en-US" dirty="0"/>
               <a:t>Portability refers to how well the software can adapt to changes in its environment or with its requirements. This may also include evaluating code for its adaptability and maybe even be easily replaced.</a:t>
             </a:r>
-            <a:endParaRPr lang="en-US" dirty="0"/>
           </a:p>
         </p:txBody>
       </p:sp>
@@ -1093,10 +1086,9 @@
               <a:defRPr/>
             </a:pPr>
             <a:r>
-              <a:rPr lang="en-US" smtClean="0"/>
+              <a:rPr lang="en-US"/>
               <a:t>Chef Intermediate</a:t>
             </a:r>
-            <a:endParaRPr lang="en-US"/>
           </a:p>
         </p:txBody>
       </p:sp>
@@ -1119,7 +1111,7 @@
               <a:defRPr/>
             </a:pPr>
             <a:r>
-              <a:rPr lang="en-US" smtClean="0"/>
+              <a:rPr lang="en-US"/>
               <a:t>Chef Software, Inc.</a:t>
             </a:r>
             <a:endParaRPr lang="en-US" dirty="0"/>
@@ -1201,7 +1193,7 @@
               <a:defRPr/>
             </a:pPr>
             <a:r>
-              <a:rPr lang="en-US" dirty="0" smtClean="0"/>
+              <a:rPr lang="en-US" dirty="0"/>
               <a:t>Let's examine this first example and apply the criteria that we have defined.</a:t>
             </a:r>
           </a:p>
@@ -1226,10 +1218,9 @@
               <a:defRPr/>
             </a:pPr>
             <a:r>
-              <a:rPr lang="en-US" smtClean="0"/>
+              <a:rPr lang="en-US"/>
               <a:t>Chef Intermediate</a:t>
             </a:r>
-            <a:endParaRPr lang="en-US"/>
           </a:p>
         </p:txBody>
       </p:sp>
@@ -1252,7 +1243,7 @@
               <a:defRPr/>
             </a:pPr>
             <a:r>
-              <a:rPr lang="en-US" smtClean="0"/>
+              <a:rPr lang="en-US"/>
               <a:t>Chef Software, Inc.</a:t>
             </a:r>
             <a:endParaRPr lang="en-US" dirty="0"/>
@@ -1339,10 +1330,9 @@
               <a:defRPr/>
             </a:pPr>
             <a:r>
-              <a:rPr lang="en-US" smtClean="0"/>
+              <a:rPr lang="en-US"/>
               <a:t>Chef Intermediate</a:t>
             </a:r>
-            <a:endParaRPr lang="en-US"/>
           </a:p>
         </p:txBody>
       </p:sp>
@@ -1365,7 +1355,7 @@
               <a:defRPr/>
             </a:pPr>
             <a:r>
-              <a:rPr lang="en-US" smtClean="0"/>
+              <a:rPr lang="en-US"/>
               <a:t>Chef Software, Inc.</a:t>
             </a:r>
             <a:endParaRPr lang="en-US" dirty="0"/>
@@ -1452,10 +1442,9 @@
               <a:defRPr/>
             </a:pPr>
             <a:r>
-              <a:rPr lang="en-US" smtClean="0"/>
+              <a:rPr lang="en-US"/>
               <a:t>Chef Intermediate</a:t>
             </a:r>
-            <a:endParaRPr lang="en-US"/>
           </a:p>
         </p:txBody>
       </p:sp>
@@ -1478,7 +1467,7 @@
               <a:defRPr/>
             </a:pPr>
             <a:r>
-              <a:rPr lang="en-US" smtClean="0"/>
+              <a:rPr lang="en-US"/>
               <a:t>Chef Software, Inc.</a:t>
             </a:r>
             <a:endParaRPr lang="en-US" dirty="0"/>
@@ -1565,10 +1554,9 @@
               <a:defRPr/>
             </a:pPr>
             <a:r>
-              <a:rPr lang="en-US" smtClean="0"/>
+              <a:rPr lang="en-US"/>
               <a:t>Chef Intermediate</a:t>
             </a:r>
-            <a:endParaRPr lang="en-US"/>
           </a:p>
         </p:txBody>
       </p:sp>
@@ -1591,7 +1579,7 @@
               <a:defRPr/>
             </a:pPr>
             <a:r>
-              <a:rPr lang="en-US" smtClean="0"/>
+              <a:rPr lang="en-US"/>
               <a:t>Chef Software, Inc.</a:t>
             </a:r>
             <a:endParaRPr lang="en-US" dirty="0"/>
@@ -1678,10 +1666,9 @@
               <a:defRPr/>
             </a:pPr>
             <a:r>
-              <a:rPr lang="en-US" smtClean="0"/>
+              <a:rPr lang="en-US"/>
               <a:t>Chef Intermediate</a:t>
             </a:r>
-            <a:endParaRPr lang="en-US"/>
           </a:p>
         </p:txBody>
       </p:sp>
@@ -1704,7 +1691,7 @@
               <a:defRPr/>
             </a:pPr>
             <a:r>
-              <a:rPr lang="en-US" smtClean="0"/>
+              <a:rPr lang="en-US"/>
               <a:t>Chef Software, Inc.</a:t>
             </a:r>
             <a:endParaRPr lang="en-US" dirty="0"/>
@@ -1791,10 +1778,9 @@
               <a:defRPr/>
             </a:pPr>
             <a:r>
-              <a:rPr lang="en-US" smtClean="0"/>
+              <a:rPr lang="en-US"/>
               <a:t>Chef Intermediate</a:t>
             </a:r>
-            <a:endParaRPr lang="en-US"/>
           </a:p>
         </p:txBody>
       </p:sp>
@@ -1817,7 +1803,7 @@
               <a:defRPr/>
             </a:pPr>
             <a:r>
-              <a:rPr lang="en-US" smtClean="0"/>
+              <a:rPr lang="en-US"/>
               <a:t>Chef Software, Inc.</a:t>
             </a:r>
             <a:endParaRPr lang="en-US" dirty="0"/>
@@ -1904,10 +1890,9 @@
               <a:defRPr/>
             </a:pPr>
             <a:r>
-              <a:rPr lang="en-US" smtClean="0"/>
+              <a:rPr lang="en-US"/>
               <a:t>Chef Intermediate</a:t>
             </a:r>
-            <a:endParaRPr lang="en-US"/>
           </a:p>
         </p:txBody>
       </p:sp>
@@ -1930,7 +1915,7 @@
               <a:defRPr/>
             </a:pPr>
             <a:r>
-              <a:rPr lang="en-US" smtClean="0"/>
+              <a:rPr lang="en-US"/>
               <a:t>Chef Software, Inc.</a:t>
             </a:r>
             <a:endParaRPr lang="en-US" dirty="0"/>
@@ -2012,14 +1997,18 @@
               <a:defRPr/>
             </a:pPr>
             <a:r>
-              <a:rPr lang="en-US" dirty="0" smtClean="0"/>
+              <a:rPr lang="en-US" dirty="0"/>
               <a:t>We've</a:t>
             </a:r>
             <a:r>
-              <a:rPr lang="en-US" baseline="0" dirty="0" smtClean="0"/>
-              <a:t> evaluated one code sample, let's look at a second one.</a:t>
-            </a:r>
-            <a:endParaRPr lang="en-US" dirty="0" smtClean="0"/>
+              <a:rPr lang="en-US" baseline="0" dirty="0"/>
+              <a:t> evaluated one </a:t>
+            </a:r>
+            <a:r>
+              <a:rPr lang="en-US" baseline="0"/>
+              <a:t>code sample.</a:t>
+            </a:r>
+            <a:endParaRPr lang="en-US" dirty="0"/>
           </a:p>
         </p:txBody>
       </p:sp>
@@ -2042,10 +2031,9 @@
               <a:defRPr/>
             </a:pPr>
             <a:r>
-              <a:rPr lang="en-US" smtClean="0"/>
+              <a:rPr lang="en-US"/>
               <a:t>Chef Intermediate</a:t>
             </a:r>
-            <a:endParaRPr lang="en-US"/>
           </a:p>
         </p:txBody>
       </p:sp>
@@ -2068,7 +2056,7 @@
               <a:defRPr/>
             </a:pPr>
             <a:r>
-              <a:rPr lang="en-US" smtClean="0"/>
+              <a:rPr lang="en-US"/>
               <a:t>Chef Software, Inc.</a:t>
             </a:r>
             <a:endParaRPr lang="en-US" dirty="0"/>
@@ -2133,26 +2121,25 @@
           <a:lstStyle/>
           <a:p>
             <a:r>
-              <a:rPr lang="en-US" dirty="0" smtClean="0"/>
+              <a:rPr lang="en-US" dirty="0"/>
               <a:t>After completing this module you will be able to</a:t>
             </a:r>
             <a:r>
-              <a:rPr lang="en-US" baseline="0" dirty="0" smtClean="0"/>
+              <a:rPr lang="en-US" baseline="0" dirty="0"/>
               <a:t> d</a:t>
             </a:r>
             <a:r>
-              <a:rPr lang="en-US" dirty="0" smtClean="0"/>
+              <a:rPr lang="en-US" dirty="0"/>
               <a:t>escribe when</a:t>
             </a:r>
             <a:r>
-              <a:rPr lang="en-US" baseline="0" dirty="0" smtClean="0"/>
+              <a:rPr lang="en-US" baseline="0" dirty="0"/>
               <a:t> </a:t>
             </a:r>
             <a:r>
-              <a:rPr lang="en-US" dirty="0" smtClean="0"/>
+              <a:rPr lang="en-US" dirty="0"/>
               <a:t>a Custom Resource would be beneficial for clarity and reusability.</a:t>
             </a:r>
-            <a:endParaRPr lang="en-US" dirty="0"/>
           </a:p>
         </p:txBody>
       </p:sp>
@@ -2175,10 +2162,9 @@
               <a:defRPr/>
             </a:pPr>
             <a:r>
-              <a:rPr lang="en-US" smtClean="0"/>
+              <a:rPr lang="en-US"/>
               <a:t>Chef Intermediate</a:t>
             </a:r>
-            <a:endParaRPr lang="en-US"/>
           </a:p>
         </p:txBody>
       </p:sp>
@@ -2201,7 +2187,7 @@
               <a:defRPr/>
             </a:pPr>
             <a:r>
-              <a:rPr lang="en-US" smtClean="0"/>
+              <a:rPr lang="en-US"/>
               <a:t>Chef Software, Inc.</a:t>
             </a:r>
             <a:endParaRPr lang="en-US" dirty="0"/>
@@ -2283,7 +2269,7 @@
               <a:defRPr/>
             </a:pPr>
             <a:r>
-              <a:rPr lang="en-US" dirty="0" smtClean="0"/>
+              <a:rPr lang="en-US" dirty="0"/>
               <a:t>As an group exercise we are going to look at a series of resources and discuss their quality. Quality can be rather variable unless we select a criteria for which to judge it.</a:t>
             </a:r>
           </a:p>
@@ -2308,10 +2294,9 @@
               <a:defRPr/>
             </a:pPr>
             <a:r>
-              <a:rPr lang="en-US" smtClean="0"/>
+              <a:rPr lang="en-US"/>
               <a:t>Chef Intermediate</a:t>
             </a:r>
-            <a:endParaRPr lang="en-US"/>
           </a:p>
         </p:txBody>
       </p:sp>
@@ -2334,7 +2319,7 @@
               <a:defRPr/>
             </a:pPr>
             <a:r>
-              <a:rPr lang="en-US" smtClean="0"/>
+              <a:rPr lang="en-US"/>
               <a:t>Chef Software, Inc.</a:t>
             </a:r>
             <a:endParaRPr lang="en-US" dirty="0"/>
@@ -2399,10 +2384,9 @@
           <a:lstStyle/>
           <a:p>
             <a:r>
-              <a:rPr lang="en-US" dirty="0" smtClean="0"/>
+              <a:rPr lang="en-US" dirty="0"/>
               <a:t>When defining resources within our recipes we are writing software. Software has a number of quality characteristics that have already been defined. ISO/IEC 9126 is an international standard for evaluation of software quality.</a:t>
             </a:r>
-            <a:endParaRPr lang="en-US" dirty="0"/>
           </a:p>
         </p:txBody>
       </p:sp>
@@ -2425,10 +2409,9 @@
               <a:defRPr/>
             </a:pPr>
             <a:r>
-              <a:rPr lang="en-US" smtClean="0"/>
+              <a:rPr lang="en-US"/>
               <a:t>Chef Intermediate</a:t>
             </a:r>
-            <a:endParaRPr lang="en-US"/>
           </a:p>
         </p:txBody>
       </p:sp>
@@ -2451,7 +2434,7 @@
               <a:defRPr/>
             </a:pPr>
             <a:r>
-              <a:rPr lang="en-US" smtClean="0"/>
+              <a:rPr lang="en-US"/>
               <a:t>Chef Software, Inc.</a:t>
             </a:r>
             <a:endParaRPr lang="en-US" dirty="0"/>
@@ -2516,18 +2499,17 @@
           <a:lstStyle/>
           <a:p>
             <a:r>
-              <a:rPr lang="en-US" dirty="0" smtClean="0"/>
+              <a:rPr lang="en-US" dirty="0"/>
               <a:t>This standard identifies 6 main quality characteristics.</a:t>
             </a:r>
             <a:r>
-              <a:rPr lang="en-US" baseline="0" dirty="0" smtClean="0"/>
+              <a:rPr lang="en-US" baseline="0" dirty="0"/>
               <a:t> </a:t>
             </a:r>
             <a:r>
-              <a:rPr lang="en-US" dirty="0" smtClean="0"/>
+              <a:rPr lang="en-US" dirty="0"/>
               <a:t>Let's talk about each one of these so that we have a shared understanding of what we mean when using them in this exercise.</a:t>
             </a:r>
-            <a:endParaRPr lang="en-US" dirty="0"/>
           </a:p>
         </p:txBody>
       </p:sp>
@@ -2550,10 +2532,9 @@
               <a:defRPr/>
             </a:pPr>
             <a:r>
-              <a:rPr lang="en-US" smtClean="0"/>
+              <a:rPr lang="en-US"/>
               <a:t>Chef Intermediate</a:t>
             </a:r>
-            <a:endParaRPr lang="en-US"/>
           </a:p>
         </p:txBody>
       </p:sp>
@@ -2576,7 +2557,7 @@
               <a:defRPr/>
             </a:pPr>
             <a:r>
-              <a:rPr lang="en-US" smtClean="0"/>
+              <a:rPr lang="en-US"/>
               <a:t>Chef Software, Inc.</a:t>
             </a:r>
             <a:endParaRPr lang="en-US" dirty="0"/>
@@ -2641,10 +2622,9 @@
           <a:lstStyle/>
           <a:p>
             <a:r>
-              <a:rPr lang="en-US" dirty="0" smtClean="0"/>
+              <a:rPr lang="en-US" dirty="0"/>
               <a:t>Functionality is the essential purpose of any product or service. Does the code accomplish what it is designed to accomplish? Functionality may also be concerned with if it does so securely and within compliance guidelines.</a:t>
             </a:r>
-            <a:endParaRPr lang="en-US" dirty="0"/>
           </a:p>
         </p:txBody>
       </p:sp>
@@ -2667,10 +2647,9 @@
               <a:defRPr/>
             </a:pPr>
             <a:r>
-              <a:rPr lang="en-US" smtClean="0"/>
+              <a:rPr lang="en-US"/>
               <a:t>Chef Intermediate</a:t>
             </a:r>
-            <a:endParaRPr lang="en-US"/>
           </a:p>
         </p:txBody>
       </p:sp>
@@ -2693,7 +2672,7 @@
               <a:defRPr/>
             </a:pPr>
             <a:r>
-              <a:rPr lang="en-US" smtClean="0"/>
+              <a:rPr lang="en-US"/>
               <a:t>Chef Software, Inc.</a:t>
             </a:r>
             <a:endParaRPr lang="en-US" dirty="0"/>
@@ -2758,10 +2737,9 @@
           <a:lstStyle/>
           <a:p>
             <a:r>
-              <a:rPr lang="en-US" dirty="0" smtClean="0"/>
+              <a:rPr lang="en-US" dirty="0"/>
               <a:t>Reliability is a judgment of whether the code accomplishes its functional goal consistently, is able to withstand fault, and recover from a failure.</a:t>
             </a:r>
-            <a:endParaRPr lang="en-US" dirty="0"/>
           </a:p>
         </p:txBody>
       </p:sp>
@@ -2784,10 +2762,9 @@
               <a:defRPr/>
             </a:pPr>
             <a:r>
-              <a:rPr lang="en-US" smtClean="0"/>
+              <a:rPr lang="en-US"/>
               <a:t>Chef Intermediate</a:t>
             </a:r>
-            <a:endParaRPr lang="en-US"/>
           </a:p>
         </p:txBody>
       </p:sp>
@@ -2810,7 +2787,7 @@
               <a:defRPr/>
             </a:pPr>
             <a:r>
-              <a:rPr lang="en-US" smtClean="0"/>
+              <a:rPr lang="en-US"/>
               <a:t>Chef Software, Inc.</a:t>
             </a:r>
             <a:endParaRPr lang="en-US" dirty="0"/>
@@ -2875,10 +2852,9 @@
           <a:lstStyle/>
           <a:p>
             <a:r>
-              <a:rPr lang="en-US" dirty="0" smtClean="0"/>
+              <a:rPr lang="en-US" dirty="0"/>
               <a:t>Usability refers to the ease of use for the given code. Is the code easy to understand? Is it easy to learn? Does it adhere to common team standards?</a:t>
             </a:r>
-            <a:endParaRPr lang="en-US" dirty="0"/>
           </a:p>
         </p:txBody>
       </p:sp>
@@ -2901,10 +2877,9 @@
               <a:defRPr/>
             </a:pPr>
             <a:r>
-              <a:rPr lang="en-US" smtClean="0"/>
+              <a:rPr lang="en-US"/>
               <a:t>Chef Intermediate</a:t>
             </a:r>
-            <a:endParaRPr lang="en-US"/>
           </a:p>
         </p:txBody>
       </p:sp>
@@ -2927,7 +2902,7 @@
               <a:defRPr/>
             </a:pPr>
             <a:r>
-              <a:rPr lang="en-US" smtClean="0"/>
+              <a:rPr lang="en-US"/>
               <a:t>Chef Software, Inc.</a:t>
             </a:r>
             <a:endParaRPr lang="en-US" dirty="0"/>
@@ -2992,10 +2967,9 @@
           <a:lstStyle/>
           <a:p>
             <a:r>
-              <a:rPr lang="en-US" dirty="0" smtClean="0"/>
+              <a:rPr lang="en-US" dirty="0"/>
               <a:t>Efficiency is concerned with the system resources required to achieve the functionality. We may consider the time, CPU, memory, network requirements, or physical space it takes to accomplish the intended operation.</a:t>
             </a:r>
-            <a:endParaRPr lang="en-US" dirty="0"/>
           </a:p>
         </p:txBody>
       </p:sp>
@@ -3018,10 +2992,9 @@
               <a:defRPr/>
             </a:pPr>
             <a:r>
-              <a:rPr lang="en-US" smtClean="0"/>
+              <a:rPr lang="en-US"/>
               <a:t>Chef Intermediate</a:t>
             </a:r>
-            <a:endParaRPr lang="en-US"/>
           </a:p>
         </p:txBody>
       </p:sp>
@@ -3044,7 +3017,7 @@
               <a:defRPr/>
             </a:pPr>
             <a:r>
-              <a:rPr lang="en-US" smtClean="0"/>
+              <a:rPr lang="en-US"/>
               <a:t>Chef Software, Inc.</a:t>
             </a:r>
             <a:endParaRPr lang="en-US" dirty="0"/>
@@ -3127,7 +3100,7 @@
           </a:lstStyle>
           <a:p>
             <a:r>
-              <a:rPr lang="en-US" smtClean="0"/>
+              <a:rPr lang="en-US"/>
               <a:t>Click to edit Master title style</a:t>
             </a:r>
             <a:endParaRPr lang="en-US" dirty="0"/>
@@ -3185,7 +3158,7 @@
           <a:p>
             <a:pPr lvl="0"/>
             <a:r>
-              <a:rPr lang="en-US" smtClean="0"/>
+              <a:rPr lang="en-US"/>
               <a:t>Click to edit Master text styles</a:t>
             </a:r>
           </a:p>
@@ -3267,7 +3240,7 @@
           </a:lstStyle>
           <a:p>
             <a:r>
-              <a:rPr lang="en-US" smtClean="0"/>
+              <a:rPr lang="en-US"/>
               <a:t>Click to edit Master title style</a:t>
             </a:r>
             <a:endParaRPr lang="en-US" dirty="0"/>
@@ -3325,7 +3298,7 @@
           <a:p>
             <a:pPr lvl="0"/>
             <a:r>
-              <a:rPr lang="en-US" dirty="0" smtClean="0"/>
+              <a:rPr lang="en-US" dirty="0"/>
               <a:t>source code</a:t>
             </a:r>
           </a:p>
@@ -3371,28 +3344,28 @@
           <a:p>
             <a:pPr lvl="0"/>
             <a:r>
-              <a:rPr lang="en-US" smtClean="0"/>
+              <a:rPr lang="en-US"/>
               <a:t>Click to edit Master text styles</a:t>
             </a:r>
           </a:p>
           <a:p>
             <a:pPr lvl="1"/>
             <a:r>
-              <a:rPr lang="en-US" smtClean="0"/>
+              <a:rPr lang="en-US"/>
               <a:t>Second level</a:t>
             </a:r>
           </a:p>
           <a:p>
             <a:pPr lvl="2"/>
             <a:r>
-              <a:rPr lang="en-US" smtClean="0"/>
+              <a:rPr lang="en-US"/>
               <a:t>Third level</a:t>
             </a:r>
           </a:p>
           <a:p>
             <a:pPr lvl="3"/>
             <a:r>
-              <a:rPr lang="en-US" smtClean="0"/>
+              <a:rPr lang="en-US"/>
               <a:t>Fourth level</a:t>
             </a:r>
           </a:p>
@@ -3436,7 +3409,7 @@
           <a:p>
             <a:pPr lvl="0"/>
             <a:r>
-              <a:rPr lang="en-US" dirty="0" smtClean="0"/>
+              <a:rPr lang="en-US" dirty="0"/>
               <a:t>-</a:t>
             </a:r>
           </a:p>
@@ -3480,7 +3453,7 @@
           <a:p>
             <a:pPr lvl="0"/>
             <a:r>
-              <a:rPr lang="en-US" dirty="0" smtClean="0"/>
+              <a:rPr lang="en-US" dirty="0"/>
               <a:t>+</a:t>
             </a:r>
           </a:p>
@@ -3629,14 +3602,14 @@
           </a:ln>
           <a:extLst>
             <a:ext uri="{909E8E84-426E-40dd-AFC4-6F175D3DCCD1}">
-              <a14:hiddenFill xmlns="" xmlns:a14="http://schemas.microsoft.com/office/drawing/2010/main">
+              <a14:hiddenFill xmlns:a14="http://schemas.microsoft.com/office/drawing/2010/main" xmlns="">
                 <a:solidFill>
                   <a:srgbClr val="FFFFFF"/>
                 </a:solidFill>
               </a14:hiddenFill>
             </a:ext>
             <a:ext uri="{91240B29-F687-4f45-9708-019B960494DF}">
-              <a14:hiddenLine xmlns="" xmlns:a14="http://schemas.microsoft.com/office/drawing/2010/main" w="9525">
+              <a14:hiddenLine xmlns:a14="http://schemas.microsoft.com/office/drawing/2010/main" xmlns="" w="9525">
                 <a:solidFill>
                   <a:srgbClr val="000000"/>
                 </a:solidFill>
@@ -3784,14 +3757,14 @@
           </a:ln>
           <a:extLst>
             <a:ext uri="{909E8E84-426E-40dd-AFC4-6F175D3DCCD1}">
-              <a14:hiddenFill xmlns="" xmlns:a14="http://schemas.microsoft.com/office/drawing/2010/main">
+              <a14:hiddenFill xmlns:a14="http://schemas.microsoft.com/office/drawing/2010/main" xmlns="">
                 <a:solidFill>
                   <a:srgbClr val="FFFFFF"/>
                 </a:solidFill>
               </a14:hiddenFill>
             </a:ext>
             <a:ext uri="{91240B29-F687-4f45-9708-019B960494DF}">
-              <a14:hiddenLine xmlns="" xmlns:a14="http://schemas.microsoft.com/office/drawing/2010/main" w="9525">
+              <a14:hiddenLine xmlns:a14="http://schemas.microsoft.com/office/drawing/2010/main" xmlns="" w="9525">
                 <a:solidFill>
                   <a:srgbClr val="000000"/>
                 </a:solidFill>
@@ -4019,21 +3992,21 @@
           <a:p>
             <a:pPr lvl="0"/>
             <a:r>
-              <a:rPr lang="en-US" smtClean="0"/>
+              <a:rPr lang="en-US"/>
               <a:t>Click to edit Master text styles</a:t>
             </a:r>
           </a:p>
           <a:p>
             <a:pPr lvl="1"/>
             <a:r>
-              <a:rPr lang="en-US" smtClean="0"/>
+              <a:rPr lang="en-US"/>
               <a:t>Second level</a:t>
             </a:r>
           </a:p>
           <a:p>
             <a:pPr lvl="2"/>
             <a:r>
-              <a:rPr lang="en-US" smtClean="0"/>
+              <a:rPr lang="en-US"/>
               <a:t>Third level</a:t>
             </a:r>
           </a:p>
@@ -4079,21 +4052,21 @@
           <a:p>
             <a:pPr lvl="0"/>
             <a:r>
-              <a:rPr lang="en-US" smtClean="0"/>
+              <a:rPr lang="en-US"/>
               <a:t>Click to edit Master text styles</a:t>
             </a:r>
           </a:p>
           <a:p>
             <a:pPr lvl="1"/>
             <a:r>
-              <a:rPr lang="en-US" smtClean="0"/>
+              <a:rPr lang="en-US"/>
               <a:t>Second level</a:t>
             </a:r>
           </a:p>
           <a:p>
             <a:pPr lvl="2"/>
             <a:r>
-              <a:rPr lang="en-US" smtClean="0"/>
+              <a:rPr lang="en-US"/>
               <a:t>Third level</a:t>
             </a:r>
           </a:p>
@@ -4133,7 +4106,7 @@
           <a:p>
             <a:pPr lvl="0"/>
             <a:r>
-              <a:rPr lang="en-US" dirty="0" smtClean="0"/>
+              <a:rPr lang="en-US" dirty="0"/>
               <a:t>A</a:t>
             </a:r>
           </a:p>
@@ -4173,7 +4146,7 @@
           <a:p>
             <a:pPr lvl="0"/>
             <a:r>
-              <a:rPr lang="en-US" dirty="0" smtClean="0"/>
+              <a:rPr lang="en-US" dirty="0"/>
               <a:t>B</a:t>
             </a:r>
           </a:p>
@@ -4282,14 +4255,14 @@
           </a:ln>
           <a:extLst>
             <a:ext uri="{909E8E84-426E-40dd-AFC4-6F175D3DCCD1}">
-              <a14:hiddenFill xmlns="" xmlns:a14="http://schemas.microsoft.com/office/drawing/2010/main">
+              <a14:hiddenFill xmlns:a14="http://schemas.microsoft.com/office/drawing/2010/main" xmlns="">
                 <a:solidFill>
                   <a:srgbClr val="FFFFFF"/>
                 </a:solidFill>
               </a14:hiddenFill>
             </a:ext>
             <a:ext uri="{91240B29-F687-4f45-9708-019B960494DF}">
-              <a14:hiddenLine xmlns="" xmlns:a14="http://schemas.microsoft.com/office/drawing/2010/main" w="9525">
+              <a14:hiddenLine xmlns:a14="http://schemas.microsoft.com/office/drawing/2010/main" xmlns="" w="9525">
                 <a:solidFill>
                   <a:srgbClr val="000000"/>
                 </a:solidFill>
@@ -4452,10 +4425,9 @@
           </a:lstStyle>
           <a:p>
             <a:r>
-              <a:rPr lang="en-US" dirty="0" smtClean="0"/>
+              <a:rPr lang="en-US" dirty="0"/>
               <a:t>Motivation</a:t>
             </a:r>
-            <a:endParaRPr lang="en-US" dirty="0"/>
           </a:p>
         </p:txBody>
       </p:sp>
@@ -4582,7 +4554,7 @@
           </a:lstStyle>
           <a:p>
             <a:r>
-              <a:rPr lang="en-US" dirty="0" smtClean="0"/>
+              <a:rPr lang="en-US" dirty="0"/>
               <a:t>Click to edit Master subtitle style</a:t>
             </a:r>
           </a:p>
@@ -4739,10 +4711,9 @@
           </a:lstStyle>
           <a:p>
             <a:r>
-              <a:rPr lang="en-US" dirty="0" smtClean="0"/>
+              <a:rPr lang="en-US" dirty="0"/>
               <a:t>Problem</a:t>
             </a:r>
-            <a:endParaRPr lang="en-US" dirty="0"/>
           </a:p>
         </p:txBody>
       </p:sp>
@@ -4869,7 +4840,7 @@
           </a:lstStyle>
           <a:p>
             <a:r>
-              <a:rPr lang="en-US" dirty="0" smtClean="0"/>
+              <a:rPr lang="en-US" dirty="0"/>
               <a:t>Click to edit Master subtitle style</a:t>
             </a:r>
           </a:p>
@@ -4942,7 +4913,7 @@
               <a:defRPr/>
             </a:pPr>
             <a:r>
-              <a:rPr lang="en-US" sz="16933" dirty="0" smtClean="0">
+              <a:rPr lang="en-US" sz="16933" dirty="0">
                 <a:ln w="18415" cmpd="sng">
                   <a:solidFill>
                     <a:srgbClr val="FFFFFF"/>
@@ -4961,23 +4932,6 @@
               </a:rPr>
               <a:t>REFERENCE</a:t>
             </a:r>
-            <a:endParaRPr lang="en-US" sz="16933" dirty="0">
-              <a:ln w="18415" cmpd="sng">
-                <a:solidFill>
-                  <a:srgbClr val="FFFFFF"/>
-                </a:solidFill>
-                <a:prstDash val="solid"/>
-              </a:ln>
-              <a:solidFill>
-                <a:schemeClr val="bg2">
-                  <a:lumMod val="95000"/>
-                  <a:alpha val="50000"/>
-                </a:schemeClr>
-              </a:solidFill>
-              <a:latin typeface="+mn-lt"/>
-              <a:ea typeface="+mn-ea"/>
-              <a:cs typeface="+mn-cs"/>
-            </a:endParaRPr>
           </a:p>
         </p:txBody>
       </p:sp>
@@ -5043,10 +4997,9 @@
           </a:lstStyle>
           <a:p>
             <a:r>
-              <a:rPr lang="en-US" dirty="0" smtClean="0"/>
+              <a:rPr lang="en-US" dirty="0"/>
               <a:t>Documentation</a:t>
             </a:r>
-            <a:endParaRPr lang="en-US" dirty="0"/>
           </a:p>
         </p:txBody>
       </p:sp>
@@ -5173,7 +5126,7 @@
           </a:lstStyle>
           <a:p>
             <a:r>
-              <a:rPr lang="en-US" dirty="0" smtClean="0"/>
+              <a:rPr lang="en-US" dirty="0"/>
               <a:t>Click to edit Master subtitle style</a:t>
             </a:r>
           </a:p>
@@ -5213,14 +5166,14 @@
           <a:p>
             <a:pPr lvl="0"/>
             <a:r>
-              <a:rPr lang="en-US" dirty="0" smtClean="0"/>
+              <a:rPr lang="en-US" dirty="0"/>
               <a:t>http://</a:t>
             </a:r>
             <a:r>
-              <a:rPr lang="en-US" dirty="0" err="1" smtClean="0"/>
+              <a:rPr lang="en-US" dirty="0" err="1"/>
               <a:t>docs.chef.io</a:t>
             </a:r>
-            <a:endParaRPr lang="en-US" dirty="0" smtClean="0"/>
+            <a:endParaRPr lang="en-US" dirty="0"/>
           </a:p>
         </p:txBody>
       </p:sp>
@@ -5375,10 +5328,9 @@
           </a:lstStyle>
           <a:p>
             <a:r>
-              <a:rPr lang="en-US" dirty="0" smtClean="0"/>
+              <a:rPr lang="en-US" dirty="0"/>
               <a:t>Concept</a:t>
             </a:r>
-            <a:endParaRPr lang="en-US" dirty="0"/>
           </a:p>
         </p:txBody>
       </p:sp>
@@ -5505,7 +5457,7 @@
           </a:lstStyle>
           <a:p>
             <a:r>
-              <a:rPr lang="en-US" dirty="0" smtClean="0"/>
+              <a:rPr lang="en-US" dirty="0"/>
               <a:t>Click to edit Master subtitle style</a:t>
             </a:r>
           </a:p>
@@ -5662,10 +5614,9 @@
           </a:lstStyle>
           <a:p>
             <a:r>
-              <a:rPr lang="en-US" dirty="0" smtClean="0"/>
+              <a:rPr lang="en-US" dirty="0"/>
               <a:t>Group Exercise</a:t>
             </a:r>
-            <a:endParaRPr lang="en-US" dirty="0"/>
           </a:p>
         </p:txBody>
       </p:sp>
@@ -5710,7 +5661,7 @@
           <a:p>
             <a:pPr lvl="0"/>
             <a:r>
-              <a:rPr lang="en-US" dirty="0" smtClean="0"/>
+              <a:rPr lang="en-US" dirty="0"/>
               <a:t>Click to edit Master text styles</a:t>
             </a:r>
           </a:p>
@@ -5738,14 +5689,14 @@
           </a:ln>
           <a:extLst>
             <a:ext uri="{909E8E84-426E-40dd-AFC4-6F175D3DCCD1}">
-              <a14:hiddenFill xmlns="" xmlns:a14="http://schemas.microsoft.com/office/drawing/2010/main">
+              <a14:hiddenFill xmlns:a14="http://schemas.microsoft.com/office/drawing/2010/main" xmlns="">
                 <a:solidFill>
                   <a:srgbClr val="FFFFFF"/>
                 </a:solidFill>
               </a14:hiddenFill>
             </a:ext>
             <a:ext uri="{91240B29-F687-4f45-9708-019B960494DF}">
-              <a14:hiddenLine xmlns="" xmlns:a14="http://schemas.microsoft.com/office/drawing/2010/main" w="9525">
+              <a14:hiddenLine xmlns:a14="http://schemas.microsoft.com/office/drawing/2010/main" xmlns="" w="9525">
                 <a:solidFill>
                   <a:srgbClr val="000000"/>
                 </a:solidFill>
@@ -5905,28 +5856,28 @@
           <a:p>
             <a:pPr lvl="0"/>
             <a:r>
-              <a:rPr lang="en-US" dirty="0" smtClean="0"/>
+              <a:rPr lang="en-US" dirty="0"/>
               <a:t>Click to edit Master text styles</a:t>
             </a:r>
           </a:p>
           <a:p>
             <a:pPr lvl="1"/>
             <a:r>
-              <a:rPr lang="en-US" dirty="0" smtClean="0"/>
+              <a:rPr lang="en-US" dirty="0"/>
               <a:t>Second level</a:t>
             </a:r>
           </a:p>
           <a:p>
             <a:pPr lvl="2"/>
             <a:r>
-              <a:rPr lang="en-US" dirty="0" smtClean="0"/>
+              <a:rPr lang="en-US" dirty="0"/>
               <a:t>Third level</a:t>
             </a:r>
           </a:p>
           <a:p>
             <a:pPr lvl="3"/>
             <a:r>
-              <a:rPr lang="en-US" dirty="0" smtClean="0"/>
+              <a:rPr lang="en-US" dirty="0"/>
               <a:t>Fourth level</a:t>
             </a:r>
           </a:p>
@@ -6083,10 +6034,9 @@
           </a:lstStyle>
           <a:p>
             <a:r>
-              <a:rPr lang="en-US" dirty="0" smtClean="0"/>
+              <a:rPr lang="en-US" dirty="0"/>
               <a:t>Lab</a:t>
             </a:r>
-            <a:endParaRPr lang="en-US" dirty="0"/>
           </a:p>
         </p:txBody>
       </p:sp>
@@ -6214,7 +6164,7 @@
           </a:lstStyle>
           <a:p>
             <a:r>
-              <a:rPr lang="en-US" dirty="0" smtClean="0"/>
+              <a:rPr lang="en-US" dirty="0"/>
               <a:t>Click to edit Master subtitle style</a:t>
             </a:r>
           </a:p>
@@ -6371,10 +6321,9 @@
           </a:lstStyle>
           <a:p>
             <a:r>
-              <a:rPr lang="en-US" dirty="0" smtClean="0"/>
+              <a:rPr lang="en-US" dirty="0"/>
               <a:t>Commit</a:t>
             </a:r>
-            <a:endParaRPr lang="en-US" dirty="0"/>
           </a:p>
         </p:txBody>
       </p:sp>
@@ -6503,30 +6452,30 @@
           </a:lstStyle>
           <a:p>
             <a:r>
-              <a:rPr lang="en-US" dirty="0" smtClean="0"/>
+              <a:rPr lang="en-US" dirty="0"/>
               <a:t>$ cd repo</a:t>
             </a:r>
           </a:p>
           <a:p>
             <a:r>
-              <a:rPr lang="en-US" dirty="0" smtClean="0"/>
+              <a:rPr lang="en-US" dirty="0"/>
               <a:t>$ git </a:t>
             </a:r>
             <a:r>
-              <a:rPr lang="en-US" dirty="0" err="1" smtClean="0"/>
+              <a:rPr lang="en-US" dirty="0" err="1"/>
               <a:t>init</a:t>
             </a:r>
-            <a:endParaRPr lang="en-US" dirty="0" smtClean="0"/>
-          </a:p>
-          <a:p>
-            <a:r>
-              <a:rPr lang="en-US" dirty="0" smtClean="0"/>
+            <a:endParaRPr lang="en-US" dirty="0"/>
+          </a:p>
+          <a:p>
+            <a:r>
+              <a:rPr lang="en-US" dirty="0"/>
               <a:t>$ git add .</a:t>
             </a:r>
           </a:p>
           <a:p>
             <a:r>
-              <a:rPr lang="en-US" dirty="0" smtClean="0"/>
+              <a:rPr lang="en-US" dirty="0"/>
               <a:t>$ git commit -m "Work Complete"</a:t>
             </a:r>
           </a:p>
@@ -6597,7 +6546,7 @@
           <a:lstStyle/>
           <a:p>
             <a:r>
-              <a:rPr lang="en-US" smtClean="0"/>
+              <a:rPr lang="en-US"/>
               <a:t>Click to edit Master title style</a:t>
             </a:r>
             <a:endParaRPr lang="en-US" dirty="0"/>
@@ -6689,21 +6638,21 @@
           <a:p>
             <a:pPr lvl="0"/>
             <a:r>
-              <a:rPr lang="en-US" smtClean="0"/>
+              <a:rPr lang="en-US"/>
               <a:t>Click to edit Master text styles</a:t>
             </a:r>
           </a:p>
           <a:p>
             <a:pPr lvl="1"/>
             <a:r>
-              <a:rPr lang="en-US" smtClean="0"/>
+              <a:rPr lang="en-US"/>
               <a:t>Second level</a:t>
             </a:r>
           </a:p>
           <a:p>
             <a:pPr lvl="2"/>
             <a:r>
-              <a:rPr lang="en-US" smtClean="0"/>
+              <a:rPr lang="en-US"/>
               <a:t>Third level</a:t>
             </a:r>
           </a:p>
@@ -6776,7 +6725,7 @@
               <a:defRPr/>
             </a:pPr>
             <a:r>
-              <a:rPr lang="en-US" sz="16933" dirty="0" smtClean="0">
+              <a:rPr lang="en-US" sz="16933" dirty="0">
                 <a:ln w="18415" cmpd="sng">
                   <a:solidFill>
                     <a:srgbClr val="FFFFFF"/>
@@ -6795,23 +6744,6 @@
               </a:rPr>
               <a:t>DISCUSSION</a:t>
             </a:r>
-            <a:endParaRPr lang="en-US" sz="16933" dirty="0">
-              <a:ln w="18415" cmpd="sng">
-                <a:solidFill>
-                  <a:srgbClr val="FFFFFF"/>
-                </a:solidFill>
-                <a:prstDash val="solid"/>
-              </a:ln>
-              <a:solidFill>
-                <a:schemeClr val="bg2">
-                  <a:lumMod val="95000"/>
-                  <a:alpha val="50000"/>
-                </a:schemeClr>
-              </a:solidFill>
-              <a:latin typeface="+mn-lt"/>
-              <a:ea typeface="+mn-ea"/>
-              <a:cs typeface="+mn-cs"/>
-            </a:endParaRPr>
           </a:p>
         </p:txBody>
       </p:sp>
@@ -6877,10 +6809,9 @@
           </a:lstStyle>
           <a:p>
             <a:r>
-              <a:rPr lang="en-US" dirty="0" smtClean="0"/>
+              <a:rPr lang="en-US" dirty="0"/>
               <a:t>Discussion</a:t>
             </a:r>
-            <a:endParaRPr lang="en-US" dirty="0"/>
           </a:p>
         </p:txBody>
       </p:sp>
@@ -7007,7 +6938,7 @@
           </a:lstStyle>
           <a:p>
             <a:r>
-              <a:rPr lang="en-US" dirty="0" smtClean="0"/>
+              <a:rPr lang="en-US" dirty="0"/>
               <a:t>Questions</a:t>
             </a:r>
           </a:p>
@@ -7099,14 +7030,14 @@
           </a:ln>
           <a:extLst>
             <a:ext uri="{909E8E84-426E-40dd-AFC4-6F175D3DCCD1}">
-              <a14:hiddenFill xmlns="" xmlns:a14="http://schemas.microsoft.com/office/drawing/2010/main">
+              <a14:hiddenFill xmlns:a14="http://schemas.microsoft.com/office/drawing/2010/main" xmlns="">
                 <a:solidFill>
                   <a:srgbClr val="FFFFFF"/>
                 </a:solidFill>
               </a14:hiddenFill>
             </a:ext>
             <a:ext uri="{91240B29-F687-4f45-9708-019B960494DF}">
-              <a14:hiddenLine xmlns="" xmlns:a14="http://schemas.microsoft.com/office/drawing/2010/main" w="9525">
+              <a14:hiddenLine xmlns:a14="http://schemas.microsoft.com/office/drawing/2010/main" xmlns="" w="9525">
                 <a:solidFill>
                   <a:srgbClr val="000000"/>
                 </a:solidFill>
@@ -7238,7 +7169,7 @@
           <a:p>
             <a:pPr lvl="0"/>
             <a:r>
-              <a:rPr lang="en-US" dirty="0" smtClean="0"/>
+              <a:rPr lang="en-US" dirty="0"/>
               <a:t>RESULT</a:t>
             </a:r>
           </a:p>
@@ -7285,7 +7216,7 @@
           <a:p>
             <a:pPr lvl="0"/>
             <a:r>
-              <a:rPr lang="en-US" dirty="0" smtClean="0"/>
+              <a:rPr lang="en-US" dirty="0"/>
               <a:t>&gt; command</a:t>
             </a:r>
           </a:p>
@@ -7337,7 +7268,7 @@
           <a:p>
             <a:pPr lvl="0"/>
             <a:r>
-              <a:rPr lang="en-US" dirty="0" smtClean="0"/>
+              <a:rPr lang="en-US" dirty="0"/>
               <a:t> </a:t>
             </a:r>
           </a:p>
@@ -7365,7 +7296,7 @@
           </a:lstStyle>
           <a:p>
             <a:r>
-              <a:rPr lang="en-US" smtClean="0"/>
+              <a:rPr lang="en-US"/>
               <a:t>Click to edit Master title style</a:t>
             </a:r>
             <a:endParaRPr lang="en-US" dirty="0"/>
@@ -7448,7 +7379,7 @@
           </a:lstStyle>
           <a:p>
             <a:r>
-              <a:rPr lang="en-US" smtClean="0"/>
+              <a:rPr lang="en-US"/>
               <a:t>Click to edit Master title style</a:t>
             </a:r>
             <a:endParaRPr lang="en-US" dirty="0"/>
@@ -7512,7 +7443,7 @@
           <a:p>
             <a:pPr lvl="0"/>
             <a:r>
-              <a:rPr lang="en-US" dirty="0" smtClean="0"/>
+              <a:rPr lang="en-US" dirty="0"/>
               <a:t>command or result</a:t>
             </a:r>
           </a:p>
@@ -7558,21 +7489,21 @@
           <a:p>
             <a:pPr lvl="0"/>
             <a:r>
-              <a:rPr lang="en-US" smtClean="0"/>
+              <a:rPr lang="en-US"/>
               <a:t>Click to edit Master text styles</a:t>
             </a:r>
           </a:p>
           <a:p>
             <a:pPr lvl="1"/>
             <a:r>
-              <a:rPr lang="en-US" smtClean="0"/>
+              <a:rPr lang="en-US"/>
               <a:t>Second level</a:t>
             </a:r>
           </a:p>
           <a:p>
             <a:pPr lvl="2"/>
             <a:r>
-              <a:rPr lang="en-US" smtClean="0"/>
+              <a:rPr lang="en-US"/>
               <a:t>Third level</a:t>
             </a:r>
           </a:p>
@@ -7664,14 +7595,14 @@
           </a:ln>
           <a:extLst>
             <a:ext uri="{909E8E84-426E-40dd-AFC4-6F175D3DCCD1}">
-              <a14:hiddenFill xmlns="" xmlns:a14="http://schemas.microsoft.com/office/drawing/2010/main">
+              <a14:hiddenFill xmlns:a14="http://schemas.microsoft.com/office/drawing/2010/main" xmlns="">
                 <a:solidFill>
                   <a:srgbClr val="FFFFFF"/>
                 </a:solidFill>
               </a14:hiddenFill>
             </a:ext>
             <a:ext uri="{91240B29-F687-4f45-9708-019B960494DF}">
-              <a14:hiddenLine xmlns="" xmlns:a14="http://schemas.microsoft.com/office/drawing/2010/main" w="9525">
+              <a14:hiddenLine xmlns:a14="http://schemas.microsoft.com/office/drawing/2010/main" xmlns="" w="9525">
                 <a:solidFill>
                   <a:srgbClr val="000000"/>
                 </a:solidFill>
@@ -7743,7 +7674,7 @@
           </a:lstStyle>
           <a:p>
             <a:r>
-              <a:rPr lang="en-US" smtClean="0"/>
+              <a:rPr lang="en-US"/>
               <a:t>Click to edit Master title style</a:t>
             </a:r>
             <a:endParaRPr lang="en-US" dirty="0"/>
@@ -7837,7 +7768,7 @@
           <a:p>
             <a:pPr lvl="0"/>
             <a:r>
-              <a:rPr lang="en-US" dirty="0" smtClean="0"/>
+              <a:rPr lang="en-US" dirty="0"/>
               <a:t>RESULT</a:t>
             </a:r>
           </a:p>
@@ -7886,7 +7817,7 @@
           <a:p>
             <a:pPr lvl="0"/>
             <a:r>
-              <a:rPr lang="en-US" dirty="0" smtClean="0"/>
+              <a:rPr lang="en-US" dirty="0"/>
               <a:t>&gt; command</a:t>
             </a:r>
           </a:p>
@@ -7938,7 +7869,7 @@
           <a:p>
             <a:pPr lvl="0"/>
             <a:r>
-              <a:rPr lang="en-US" dirty="0" smtClean="0"/>
+              <a:rPr lang="en-US" dirty="0"/>
               <a:t> </a:t>
             </a:r>
           </a:p>
@@ -8020,7 +7951,7 @@
           </a:lstStyle>
           <a:p>
             <a:r>
-              <a:rPr lang="en-US" smtClean="0"/>
+              <a:rPr lang="en-US"/>
               <a:t>Click to edit Master title style</a:t>
             </a:r>
             <a:endParaRPr lang="en-US" dirty="0"/>
@@ -8086,7 +8017,7 @@
           <a:p>
             <a:pPr lvl="0"/>
             <a:r>
-              <a:rPr lang="en-US" dirty="0" smtClean="0"/>
+              <a:rPr lang="en-US" dirty="0"/>
               <a:t>command or result</a:t>
             </a:r>
           </a:p>
@@ -8132,21 +8063,21 @@
           <a:p>
             <a:pPr lvl="0"/>
             <a:r>
-              <a:rPr lang="en-US" smtClean="0"/>
+              <a:rPr lang="en-US"/>
               <a:t>Click to edit Master text styles</a:t>
             </a:r>
           </a:p>
           <a:p>
             <a:pPr lvl="1"/>
             <a:r>
-              <a:rPr lang="en-US" smtClean="0"/>
+              <a:rPr lang="en-US"/>
               <a:t>Second level</a:t>
             </a:r>
           </a:p>
           <a:p>
             <a:pPr lvl="2"/>
             <a:r>
-              <a:rPr lang="en-US" smtClean="0"/>
+              <a:rPr lang="en-US"/>
               <a:t>Third level</a:t>
             </a:r>
           </a:p>
@@ -8238,14 +8169,14 @@
           </a:ln>
           <a:extLst>
             <a:ext uri="{909E8E84-426E-40dd-AFC4-6F175D3DCCD1}">
-              <a14:hiddenFill xmlns="" xmlns:a14="http://schemas.microsoft.com/office/drawing/2010/main">
+              <a14:hiddenFill xmlns:a14="http://schemas.microsoft.com/office/drawing/2010/main" xmlns="">
                 <a:solidFill>
                   <a:srgbClr val="FFFFFF"/>
                 </a:solidFill>
               </a14:hiddenFill>
             </a:ext>
             <a:ext uri="{91240B29-F687-4f45-9708-019B960494DF}">
-              <a14:hiddenLine xmlns="" xmlns:a14="http://schemas.microsoft.com/office/drawing/2010/main" w="9525">
+              <a14:hiddenLine xmlns:a14="http://schemas.microsoft.com/office/drawing/2010/main" xmlns="" w="9525">
                 <a:solidFill>
                   <a:srgbClr val="000000"/>
                 </a:solidFill>
@@ -8282,7 +8213,7 @@
           </a:lstStyle>
           <a:p>
             <a:r>
-              <a:rPr lang="en-US" smtClean="0"/>
+              <a:rPr lang="en-US"/>
               <a:t>Click to edit Master title style</a:t>
             </a:r>
             <a:endParaRPr lang="en-US" dirty="0"/>
@@ -8352,7 +8283,7 @@
           <a:p>
             <a:pPr lvl="0"/>
             <a:r>
-              <a:rPr lang="en-US" dirty="0" smtClean="0"/>
+              <a:rPr lang="en-US" dirty="0"/>
               <a:t>SOURCE</a:t>
             </a:r>
           </a:p>
@@ -8396,22 +8327,22 @@
           <a:p>
             <a:pPr lvl="0"/>
             <a:r>
-              <a:rPr lang="en-US" dirty="0" smtClean="0"/>
+              <a:rPr lang="en-US" dirty="0"/>
               <a:t>/</a:t>
             </a:r>
             <a:r>
-              <a:rPr lang="en-US" dirty="0" err="1" smtClean="0"/>
+              <a:rPr lang="en-US" dirty="0" err="1"/>
               <a:t>filepath</a:t>
             </a:r>
             <a:r>
-              <a:rPr lang="en-US" dirty="0" smtClean="0"/>
+              <a:rPr lang="en-US" dirty="0"/>
               <a:t>/</a:t>
             </a:r>
             <a:r>
-              <a:rPr lang="en-US" dirty="0" err="1" smtClean="0"/>
+              <a:rPr lang="en-US" dirty="0" err="1"/>
               <a:t>file.rb</a:t>
             </a:r>
-            <a:endParaRPr lang="en-US" dirty="0" smtClean="0"/>
+            <a:endParaRPr lang="en-US" dirty="0"/>
           </a:p>
         </p:txBody>
       </p:sp>
@@ -8453,7 +8384,7 @@
           <a:p>
             <a:pPr lvl="0"/>
             <a:r>
-              <a:rPr lang="en-US" dirty="0" smtClean="0"/>
+              <a:rPr lang="en-US" dirty="0"/>
               <a:t>-</a:t>
             </a:r>
           </a:p>
@@ -8497,7 +8428,7 @@
           <a:p>
             <a:pPr lvl="0"/>
             <a:r>
-              <a:rPr lang="en-US" dirty="0" smtClean="0"/>
+              <a:rPr lang="en-US" dirty="0"/>
               <a:t>+</a:t>
             </a:r>
           </a:p>
@@ -8579,7 +8510,7 @@
           </a:lstStyle>
           <a:p>
             <a:r>
-              <a:rPr lang="en-US" smtClean="0"/>
+              <a:rPr lang="en-US"/>
               <a:t>Click to edit Master title style</a:t>
             </a:r>
             <a:endParaRPr lang="en-US" dirty="0"/>
@@ -8637,7 +8568,7 @@
           <a:p>
             <a:pPr lvl="0"/>
             <a:r>
-              <a:rPr lang="en-US" dirty="0" smtClean="0"/>
+              <a:rPr lang="en-US" dirty="0"/>
               <a:t>source code without a file</a:t>
             </a:r>
           </a:p>
@@ -8681,7 +8612,7 @@
           <a:p>
             <a:pPr lvl="0"/>
             <a:r>
-              <a:rPr lang="en-US" dirty="0" smtClean="0"/>
+              <a:rPr lang="en-US" dirty="0"/>
               <a:t>-</a:t>
             </a:r>
           </a:p>
@@ -8725,7 +8656,7 @@
           <a:p>
             <a:pPr lvl="0"/>
             <a:r>
-              <a:rPr lang="en-US" dirty="0" smtClean="0"/>
+              <a:rPr lang="en-US" dirty="0"/>
               <a:t>+</a:t>
             </a:r>
           </a:p>
@@ -8807,7 +8738,7 @@
           </a:lstStyle>
           <a:p>
             <a:r>
-              <a:rPr lang="en-US" smtClean="0"/>
+              <a:rPr lang="en-US"/>
               <a:t>Click to edit Master title style</a:t>
             </a:r>
             <a:endParaRPr lang="en-US" dirty="0"/>
@@ -8865,7 +8796,7 @@
           <a:p>
             <a:pPr lvl="0"/>
             <a:r>
-              <a:rPr lang="en-US" dirty="0" smtClean="0"/>
+              <a:rPr lang="en-US" dirty="0"/>
               <a:t>source code</a:t>
             </a:r>
           </a:p>
@@ -8911,21 +8842,21 @@
           <a:p>
             <a:pPr lvl="0"/>
             <a:r>
-              <a:rPr lang="en-US" smtClean="0"/>
+              <a:rPr lang="en-US"/>
               <a:t>Click to edit Master text styles</a:t>
             </a:r>
           </a:p>
           <a:p>
             <a:pPr lvl="1"/>
             <a:r>
-              <a:rPr lang="en-US" smtClean="0"/>
+              <a:rPr lang="en-US"/>
               <a:t>Second level</a:t>
             </a:r>
           </a:p>
           <a:p>
             <a:pPr lvl="2"/>
             <a:r>
-              <a:rPr lang="en-US" smtClean="0"/>
+              <a:rPr lang="en-US"/>
               <a:t>Third level</a:t>
             </a:r>
           </a:p>
@@ -8969,7 +8900,7 @@
           <a:p>
             <a:pPr lvl="0"/>
             <a:r>
-              <a:rPr lang="en-US" dirty="0" smtClean="0"/>
+              <a:rPr lang="en-US" dirty="0"/>
               <a:t>-</a:t>
             </a:r>
           </a:p>
@@ -9013,7 +8944,7 @@
           <a:p>
             <a:pPr lvl="0"/>
             <a:r>
-              <a:rPr lang="en-US" dirty="0" smtClean="0"/>
+              <a:rPr lang="en-US" dirty="0"/>
               <a:t>+</a:t>
             </a:r>
           </a:p>
@@ -9096,7 +9027,7 @@
           <a:lstStyle/>
           <a:p>
             <a:r>
-              <a:rPr lang="en-CA" dirty="0" smtClean="0"/>
+              <a:rPr lang="en-CA" dirty="0"/>
               <a:t>Title Text</a:t>
             </a:r>
             <a:endParaRPr lang="en-US" dirty="0"/>
@@ -9130,21 +9061,21 @@
           <a:p>
             <a:pPr lvl="0"/>
             <a:r>
-              <a:rPr lang="en-US" dirty="0" smtClean="0"/>
+              <a:rPr lang="en-US" dirty="0"/>
               <a:t>Click to edit Master text styles</a:t>
             </a:r>
           </a:p>
           <a:p>
             <a:pPr lvl="1"/>
             <a:r>
-              <a:rPr lang="en-US" dirty="0" smtClean="0"/>
+              <a:rPr lang="en-US" dirty="0"/>
               <a:t>Second level</a:t>
             </a:r>
           </a:p>
           <a:p>
             <a:pPr lvl="2"/>
             <a:r>
-              <a:rPr lang="en-US" dirty="0" smtClean="0"/>
+              <a:rPr lang="en-US" dirty="0"/>
               <a:t>Third level</a:t>
             </a:r>
           </a:p>
@@ -9185,14 +9116,14 @@
           </a:ln>
           <a:extLst>
             <a:ext uri="{909E8E84-426E-40dd-AFC4-6F175D3DCCD1}">
-              <a14:hiddenFill xmlns="" xmlns:a14="http://schemas.microsoft.com/office/drawing/2010/main">
+              <a14:hiddenFill xmlns:a14="http://schemas.microsoft.com/office/drawing/2010/main" xmlns="">
                 <a:solidFill>
                   <a:srgbClr val="FFFFFF"/>
                 </a:solidFill>
               </a14:hiddenFill>
             </a:ext>
             <a:ext uri="{91240B29-F687-4f45-9708-019B960494DF}">
-              <a14:hiddenLine xmlns="" xmlns:a14="http://schemas.microsoft.com/office/drawing/2010/main" w="9525">
+              <a14:hiddenLine xmlns:a14="http://schemas.microsoft.com/office/drawing/2010/main" xmlns="" w="9525">
                 <a:solidFill>
                   <a:srgbClr val="000000"/>
                 </a:solidFill>
@@ -9272,7 +9203,7 @@
               <a:defRPr/>
             </a:pPr>
             <a:r>
-              <a:rPr lang="en-US" dirty="0" smtClean="0">
+              <a:rPr lang="en-US" dirty="0">
                 <a:solidFill>
                   <a:srgbClr val="7D868C"/>
                 </a:solidFill>
@@ -9283,7 +9214,7 @@
               <a:t>©</a:t>
             </a:r>
             <a:r>
-              <a:rPr lang="is-IS" dirty="0" smtClean="0">
+              <a:rPr lang="is-IS" dirty="0">
                 <a:solidFill>
                   <a:srgbClr val="7D868C"/>
                 </a:solidFill>
@@ -9294,7 +9225,7 @@
               <a:t>2017</a:t>
             </a:r>
             <a:r>
-              <a:rPr lang="en-US" dirty="0" smtClean="0">
+              <a:rPr lang="en-US" dirty="0">
                 <a:solidFill>
                   <a:srgbClr val="7D868C"/>
                 </a:solidFill>
@@ -9302,18 +9233,7 @@
                 <a:ea typeface="+mn-ea"/>
                 <a:cs typeface="+mn-cs"/>
               </a:rPr>
-              <a:t> </a:t>
-            </a:r>
-            <a:r>
-              <a:rPr lang="en-US" dirty="0">
-                <a:solidFill>
-                  <a:srgbClr val="7D868C"/>
-                </a:solidFill>
-                <a:latin typeface="+mn-lt"/>
-                <a:ea typeface="+mn-ea"/>
-                <a:cs typeface="+mn-cs"/>
-              </a:rPr>
-              <a:t>Chef Software Inc</a:t>
+              <a:t> Chef Software Inc</a:t>
             </a:r>
             <a:r>
               <a:rPr lang="en-US" dirty="0">
@@ -9373,7 +9293,7 @@
               <a:defRPr/>
             </a:pPr>
             <a:r>
-              <a:rPr lang="en-US" dirty="0" smtClean="0">
+              <a:rPr lang="en-US" dirty="0">
                 <a:solidFill>
                   <a:srgbClr val="7F7F7F"/>
                 </a:solidFill>
@@ -9434,13 +9354,6 @@
   <p:transition spd="med">
     <p:fade/>
   </p:transition>
-  <p:timing>
-    <p:tnLst>
-      <p:par>
-        <p:cTn id="1" dur="indefinite" restart="never" nodeType="tmRoot"/>
-      </p:par>
-    </p:tnLst>
-  </p:timing>
   <p:hf hdr="0" dt="0"/>
   <p:txStyles>
     <p:titleStyle>
@@ -9923,7 +9836,7 @@
           <a:lstStyle/>
           <a:p>
             <a:r>
-              <a:rPr lang="en-CA" dirty="0" smtClean="0"/>
+              <a:rPr lang="en-CA" dirty="0"/>
               <a:t>Title Text</a:t>
             </a:r>
             <a:endParaRPr lang="en-US" dirty="0"/>
@@ -9965,14 +9878,14 @@
           </a:ln>
           <a:extLst>
             <a:ext uri="{909E8E84-426E-40dd-AFC4-6F175D3DCCD1}">
-              <a14:hiddenFill xmlns="" xmlns:a14="http://schemas.microsoft.com/office/drawing/2010/main">
+              <a14:hiddenFill xmlns:a14="http://schemas.microsoft.com/office/drawing/2010/main" xmlns="">
                 <a:solidFill>
                   <a:srgbClr val="FFFFFF"/>
                 </a:solidFill>
               </a14:hiddenFill>
             </a:ext>
             <a:ext uri="{91240B29-F687-4f45-9708-019B960494DF}">
-              <a14:hiddenLine xmlns="" xmlns:a14="http://schemas.microsoft.com/office/drawing/2010/main" w="9525">
+              <a14:hiddenLine xmlns:a14="http://schemas.microsoft.com/office/drawing/2010/main" xmlns="" w="9525">
                 <a:solidFill>
                   <a:srgbClr val="000000"/>
                 </a:solidFill>
@@ -10052,7 +9965,7 @@
               <a:defRPr/>
             </a:pPr>
             <a:r>
-              <a:rPr lang="en-US" dirty="0" smtClean="0">
+              <a:rPr lang="en-US" dirty="0">
                 <a:solidFill>
                   <a:srgbClr val="7D868C"/>
                 </a:solidFill>
@@ -10063,7 +9976,7 @@
               <a:t>©</a:t>
             </a:r>
             <a:r>
-              <a:rPr lang="is-IS" dirty="0" smtClean="0">
+              <a:rPr lang="is-IS" dirty="0">
                 <a:solidFill>
                   <a:srgbClr val="7D868C"/>
                 </a:solidFill>
@@ -10074,7 +9987,7 @@
               <a:t>2017</a:t>
             </a:r>
             <a:r>
-              <a:rPr lang="en-US" dirty="0" smtClean="0">
+              <a:rPr lang="en-US" dirty="0">
                 <a:solidFill>
                   <a:srgbClr val="7D868C"/>
                 </a:solidFill>
@@ -10082,18 +9995,7 @@
                 <a:ea typeface="+mn-ea"/>
                 <a:cs typeface="+mn-cs"/>
               </a:rPr>
-              <a:t> </a:t>
-            </a:r>
-            <a:r>
-              <a:rPr lang="en-US" dirty="0">
-                <a:solidFill>
-                  <a:srgbClr val="7D868C"/>
-                </a:solidFill>
-                <a:latin typeface="+mn-lt"/>
-                <a:ea typeface="+mn-ea"/>
-                <a:cs typeface="+mn-cs"/>
-              </a:rPr>
-              <a:t>Chef Software Inc</a:t>
+              <a:t> Chef Software Inc</a:t>
             </a:r>
             <a:r>
               <a:rPr lang="en-US" dirty="0">
@@ -10153,7 +10055,7 @@
               <a:defRPr/>
             </a:pPr>
             <a:r>
-              <a:rPr lang="en-US" dirty="0" smtClean="0">
+              <a:rPr lang="en-US" dirty="0">
                 <a:solidFill>
                   <a:srgbClr val="7F7F7F"/>
                 </a:solidFill>
@@ -10285,13 +10187,6 @@
   <p:transition spd="med">
     <p:fade/>
   </p:transition>
-  <p:timing>
-    <p:tnLst>
-      <p:par>
-        <p:cTn id="1" dur="indefinite" restart="never" nodeType="tmRoot"/>
-      </p:par>
-    </p:tnLst>
-  </p:timing>
   <p:hf hdr="0" dt="0"/>
   <p:txStyles>
     <p:titleStyle>
@@ -10746,10 +10641,9 @@
           <a:lstStyle/>
           <a:p>
             <a:r>
-              <a:rPr lang="en-US" dirty="0" smtClean="0"/>
+              <a:rPr lang="en-US" dirty="0"/>
               <a:t>Why Use Custom Resources</a:t>
             </a:r>
-            <a:endParaRPr lang="en-US" dirty="0"/>
           </a:p>
         </p:txBody>
       </p:sp>
@@ -10785,13 +10679,6 @@
   <p:transition spd="med">
     <p:fade/>
   </p:transition>
-  <p:timing>
-    <p:tnLst>
-      <p:par>
-        <p:cTn id="1" dur="indefinite" restart="never" nodeType="tmRoot"/>
-      </p:par>
-    </p:tnLst>
-  </p:timing>
 </p:sld>
 </file>
 
@@ -11038,15 +10925,7 @@
           <a:p>
             <a:r>
               <a:rPr lang="en-US" sz="3200" dirty="0"/>
-              <a:t>Are you able to easily adapt the </a:t>
-            </a:r>
-            <a:r>
-              <a:rPr lang="en-US" sz="3200" dirty="0" smtClean="0"/>
-              <a:t>solution? Is </a:t>
-            </a:r>
-            <a:r>
-              <a:rPr lang="en-US" sz="3200" dirty="0"/>
-              <a:t>it testable?</a:t>
+              <a:t>Are you able to easily adapt the solution? Is it testable?</a:t>
             </a:r>
           </a:p>
         </p:txBody>
@@ -11260,7 +11139,7 @@
               <a:buChar char="Ø"/>
             </a:pPr>
             <a:r>
-              <a:rPr lang="en-US" sz="4000" dirty="0" smtClean="0"/>
+              <a:rPr lang="en-US" sz="4000" dirty="0"/>
               <a:t>Functionality</a:t>
             </a:r>
           </a:p>
@@ -11273,7 +11152,7 @@
               <a:buChar char="Ø"/>
             </a:pPr>
             <a:r>
-              <a:rPr lang="en-US" sz="4000" dirty="0" smtClean="0"/>
+              <a:rPr lang="en-US" sz="4000" dirty="0"/>
               <a:t>Reliability</a:t>
             </a:r>
           </a:p>
@@ -11286,7 +11165,7 @@
               <a:buChar char="Ø"/>
             </a:pPr>
             <a:r>
-              <a:rPr lang="en-US" sz="4000" dirty="0" smtClean="0"/>
+              <a:rPr lang="en-US" sz="4000" dirty="0"/>
               <a:t>Usability</a:t>
             </a:r>
           </a:p>
@@ -11299,7 +11178,7 @@
               <a:buChar char="Ø"/>
             </a:pPr>
             <a:r>
-              <a:rPr lang="en-US" sz="4000" dirty="0" smtClean="0"/>
+              <a:rPr lang="en-US" sz="4000" dirty="0"/>
               <a:t>Efficiency</a:t>
             </a:r>
           </a:p>
@@ -11312,7 +11191,7 @@
               <a:buChar char="Ø"/>
             </a:pPr>
             <a:r>
-              <a:rPr lang="en-US" sz="4000" b="1" dirty="0" smtClean="0"/>
+              <a:rPr lang="en-US" sz="4000" b="1" dirty="0"/>
               <a:t>Maintainability</a:t>
             </a:r>
           </a:p>
@@ -11325,10 +11204,9 @@
               <a:buChar char="Ø"/>
             </a:pPr>
             <a:r>
-              <a:rPr lang="en-US" sz="4000" dirty="0" smtClean="0"/>
+              <a:rPr lang="en-US" sz="4000" dirty="0"/>
               <a:t>Portability</a:t>
             </a:r>
-            <a:endParaRPr lang="en-US" sz="4000" dirty="0"/>
           </a:p>
         </p:txBody>
       </p:sp>
@@ -11380,13 +11258,6 @@
   <p:transition spd="med">
     <p:fade/>
   </p:transition>
-  <p:timing>
-    <p:tnLst>
-      <p:par>
-        <p:cTn id="1" dur="indefinite" restart="never" nodeType="tmRoot"/>
-      </p:par>
-    </p:tnLst>
-  </p:timing>
 </p:sld>
 </file>
 
@@ -11632,10 +11503,9 @@
           </a:lstStyle>
           <a:p>
             <a:r>
-              <a:rPr lang="en-US" sz="3200" dirty="0" smtClean="0"/>
+              <a:rPr lang="en-US" sz="3200" dirty="0"/>
               <a:t>Can the software adapt to changes in its environment? Or changes to its requirements?</a:t>
             </a:r>
-            <a:endParaRPr lang="en-US" sz="3200" dirty="0"/>
           </a:p>
         </p:txBody>
       </p:sp>
@@ -11848,7 +11718,7 @@
               <a:buChar char="Ø"/>
             </a:pPr>
             <a:r>
-              <a:rPr lang="en-US" sz="4000" dirty="0" smtClean="0"/>
+              <a:rPr lang="en-US" sz="4000" dirty="0"/>
               <a:t>Functionality</a:t>
             </a:r>
           </a:p>
@@ -11861,7 +11731,7 @@
               <a:buChar char="Ø"/>
             </a:pPr>
             <a:r>
-              <a:rPr lang="en-US" sz="4000" dirty="0" smtClean="0"/>
+              <a:rPr lang="en-US" sz="4000" dirty="0"/>
               <a:t>Reliability</a:t>
             </a:r>
           </a:p>
@@ -11874,7 +11744,7 @@
               <a:buChar char="Ø"/>
             </a:pPr>
             <a:r>
-              <a:rPr lang="en-US" sz="4000" dirty="0" smtClean="0"/>
+              <a:rPr lang="en-US" sz="4000" dirty="0"/>
               <a:t>Usability</a:t>
             </a:r>
           </a:p>
@@ -11887,7 +11757,7 @@
               <a:buChar char="Ø"/>
             </a:pPr>
             <a:r>
-              <a:rPr lang="en-US" sz="4000" dirty="0" smtClean="0"/>
+              <a:rPr lang="en-US" sz="4000" dirty="0"/>
               <a:t>Efficiency</a:t>
             </a:r>
           </a:p>
@@ -11900,7 +11770,7 @@
               <a:buChar char="Ø"/>
             </a:pPr>
             <a:r>
-              <a:rPr lang="en-US" sz="4000" dirty="0" smtClean="0"/>
+              <a:rPr lang="en-US" sz="4000" dirty="0"/>
               <a:t>Maintainability</a:t>
             </a:r>
           </a:p>
@@ -11913,10 +11783,9 @@
               <a:buChar char="Ø"/>
             </a:pPr>
             <a:r>
-              <a:rPr lang="en-US" sz="4000" b="1" dirty="0" smtClean="0"/>
+              <a:rPr lang="en-US" sz="4000" b="1" dirty="0"/>
               <a:t>Portability</a:t>
             </a:r>
-            <a:endParaRPr lang="en-US" sz="4000" b="1" dirty="0"/>
           </a:p>
         </p:txBody>
       </p:sp>
@@ -11968,13 +11837,6 @@
   <p:transition spd="med">
     <p:fade/>
   </p:transition>
-  <p:timing>
-    <p:tnLst>
-      <p:par>
-        <p:cTn id="1" dur="indefinite" restart="never" nodeType="tmRoot"/>
-      </p:par>
-    </p:tnLst>
-  </p:timing>
 </p:sld>
 </file>
 
@@ -12013,10 +11875,9 @@
           <a:lstStyle/>
           <a:p>
             <a:r>
-              <a:rPr lang="en-US" dirty="0" smtClean="0"/>
+              <a:rPr lang="en-US" dirty="0"/>
               <a:t>Examine the Code Sample</a:t>
             </a:r>
-            <a:endParaRPr lang="en-US" dirty="0"/>
           </a:p>
         </p:txBody>
       </p:sp>
@@ -12036,10 +11897,9 @@
           <a:lstStyle/>
           <a:p>
             <a:r>
-              <a:rPr lang="en-US" dirty="0" smtClean="0"/>
+              <a:rPr lang="en-US" dirty="0"/>
               <a:t>With the criteria defined we can now examine code samples...</a:t>
             </a:r>
-            <a:endParaRPr lang="en-US" dirty="0"/>
           </a:p>
         </p:txBody>
       </p:sp>
@@ -12063,7 +11923,7 @@
               <a:buChar char="ü"/>
             </a:pPr>
             <a:r>
-              <a:rPr lang="en-US" dirty="0" smtClean="0"/>
+              <a:rPr lang="en-US" dirty="0"/>
               <a:t>Define the judgment criteria</a:t>
             </a:r>
           </a:p>
@@ -12073,7 +11933,7 @@
               <a:buChar char="q"/>
             </a:pPr>
             <a:r>
-              <a:rPr lang="en-US" dirty="0" smtClean="0"/>
+              <a:rPr lang="en-US" dirty="0"/>
               <a:t>Evaluate a code sample</a:t>
             </a:r>
           </a:p>
@@ -12092,13 +11952,6 @@
   <p:transition spd="med">
     <p:fade/>
   </p:transition>
-  <p:timing>
-    <p:tnLst>
-      <p:par>
-        <p:cTn id="1" dur="indefinite" restart="never" nodeType="tmRoot"/>
-      </p:par>
-    </p:tnLst>
-  </p:timing>
 </p:sld>
 </file>
 
@@ -12137,10 +11990,9 @@
           <a:lstStyle/>
           <a:p>
             <a:r>
-              <a:rPr lang="en-US" dirty="0" smtClean="0"/>
+              <a:rPr lang="en-US" dirty="0"/>
               <a:t>Resource Implementation v Custom Resource</a:t>
             </a:r>
-            <a:endParaRPr lang="en-US" dirty="0"/>
           </a:p>
         </p:txBody>
       </p:sp>
@@ -12324,7 +12176,6 @@
               <a:rPr lang="en-US" sz="2000" b="1" dirty="0"/>
               <a:t>/apache/admins/html', </a:t>
             </a:r>
-            <a:endParaRPr lang="en-US" sz="2000" b="1" dirty="0" smtClean="0"/>
           </a:p>
           <a:p>
             <a:pPr>
@@ -12333,12 +12184,8 @@
               </a:lnSpc>
             </a:pPr>
             <a:r>
-              <a:rPr lang="en-US" sz="2000" b="1" dirty="0" smtClean="0"/>
-              <a:t>port</a:t>
-            </a:r>
-            <a:r>
               <a:rPr lang="en-US" sz="2000" b="1" dirty="0"/>
-              <a:t>: 8080)</a:t>
+              <a:t>port: 8080)</a:t>
             </a:r>
           </a:p>
           <a:p>
@@ -12500,18 +12347,13 @@
           </a:p>
           <a:p>
             <a:r>
-              <a:rPr lang="en-US" sz="2000" b="1" dirty="0" smtClean="0">
+              <a:rPr lang="en-US" sz="2000" b="1" dirty="0">
                 <a:latin typeface="Courier New" charset="0"/>
                 <a:ea typeface="Courier New" charset="0"/>
                 <a:cs typeface="Courier New" charset="0"/>
               </a:rPr>
               <a:t>end</a:t>
             </a:r>
-            <a:endParaRPr lang="en-US" sz="2000" b="1" dirty="0">
-              <a:latin typeface="Courier New" charset="0"/>
-              <a:ea typeface="Courier New" charset="0"/>
-              <a:cs typeface="Courier New" charset="0"/>
-            </a:endParaRPr>
           </a:p>
         </p:txBody>
       </p:sp>
@@ -12542,15 +12384,15 @@
           <a:lstStyle/>
           <a:p>
             <a:r>
-              <a:rPr lang="en-US" b="1" dirty="0" smtClean="0"/>
+              <a:rPr lang="en-US" b="1" dirty="0"/>
               <a:t>Functionality </a:t>
             </a:r>
             <a:r>
-              <a:rPr lang="en-US" dirty="0" smtClean="0"/>
+              <a:rPr lang="en-US" dirty="0"/>
               <a:t>|</a:t>
             </a:r>
             <a:r>
-              <a:rPr lang="en-US" dirty="0" smtClean="0">
+              <a:rPr lang="en-US" dirty="0">
                 <a:solidFill>
                   <a:schemeClr val="bg1">
                     <a:lumMod val="50000"/>
@@ -12603,13 +12445,6 @@
   <p:transition spd="med">
     <p:fade/>
   </p:transition>
-  <p:timing>
-    <p:tnLst>
-      <p:par>
-        <p:cTn id="1" dur="indefinite" restart="never" nodeType="tmRoot"/>
-      </p:par>
-    </p:tnLst>
-  </p:timing>
 </p:sld>
 </file>
 
@@ -12648,10 +12483,9 @@
           <a:lstStyle/>
           <a:p>
             <a:r>
-              <a:rPr lang="en-US" dirty="0" smtClean="0"/>
+              <a:rPr lang="en-US" dirty="0"/>
               <a:t>Resource Implementation v Custom Resource</a:t>
             </a:r>
-            <a:endParaRPr lang="en-US" dirty="0"/>
           </a:p>
         </p:txBody>
       </p:sp>
@@ -12835,7 +12669,6 @@
               <a:rPr lang="en-US" sz="2000" b="1" dirty="0"/>
               <a:t>/apache/admins/html', </a:t>
             </a:r>
-            <a:endParaRPr lang="en-US" sz="2000" b="1" dirty="0" smtClean="0"/>
           </a:p>
           <a:p>
             <a:pPr>
@@ -12844,12 +12677,8 @@
               </a:lnSpc>
             </a:pPr>
             <a:r>
-              <a:rPr lang="en-US" sz="2000" b="1" dirty="0" smtClean="0"/>
-              <a:t>port</a:t>
-            </a:r>
-            <a:r>
               <a:rPr lang="en-US" sz="2000" b="1" dirty="0"/>
-              <a:t>: 8080)</a:t>
+              <a:t>port: 8080)</a:t>
             </a:r>
           </a:p>
           <a:p>
@@ -13011,18 +12840,13 @@
           </a:p>
           <a:p>
             <a:r>
-              <a:rPr lang="en-US" sz="2000" b="1" dirty="0" smtClean="0">
+              <a:rPr lang="en-US" sz="2000" b="1" dirty="0">
                 <a:latin typeface="Courier New" charset="0"/>
                 <a:ea typeface="Courier New" charset="0"/>
                 <a:cs typeface="Courier New" charset="0"/>
               </a:rPr>
               <a:t>end</a:t>
             </a:r>
-            <a:endParaRPr lang="en-US" sz="2000" b="1" dirty="0">
-              <a:latin typeface="Courier New" charset="0"/>
-              <a:ea typeface="Courier New" charset="0"/>
-              <a:cs typeface="Courier New" charset="0"/>
-            </a:endParaRPr>
           </a:p>
         </p:txBody>
       </p:sp>
@@ -13053,7 +12877,7 @@
           <a:lstStyle/>
           <a:p>
             <a:r>
-              <a:rPr lang="en-US" dirty="0" smtClean="0">
+              <a:rPr lang="en-US" dirty="0">
                 <a:solidFill>
                   <a:schemeClr val="bg1">
                     <a:lumMod val="50000"/>
@@ -13063,19 +12887,19 @@
               <a:t>Functionality</a:t>
             </a:r>
             <a:r>
-              <a:rPr lang="en-US" dirty="0" smtClean="0"/>
+              <a:rPr lang="en-US" dirty="0"/>
               <a:t> | </a:t>
             </a:r>
             <a:r>
-              <a:rPr lang="en-US" b="1" dirty="0" smtClean="0"/>
+              <a:rPr lang="en-US" b="1" dirty="0"/>
               <a:t>Reliability</a:t>
             </a:r>
             <a:r>
-              <a:rPr lang="en-US" dirty="0" smtClean="0"/>
+              <a:rPr lang="en-US" dirty="0"/>
               <a:t> | </a:t>
             </a:r>
             <a:r>
-              <a:rPr lang="en-US" dirty="0" smtClean="0">
+              <a:rPr lang="en-US" dirty="0">
                 <a:solidFill>
                   <a:schemeClr val="bg1">
                     <a:lumMod val="50000"/>
@@ -13128,13 +12952,6 @@
   <p:transition spd="med">
     <p:fade/>
   </p:transition>
-  <p:timing>
-    <p:tnLst>
-      <p:par>
-        <p:cTn id="1" dur="indefinite" restart="never" nodeType="tmRoot"/>
-      </p:par>
-    </p:tnLst>
-  </p:timing>
 </p:sld>
 </file>
 
@@ -13173,10 +12990,9 @@
           <a:lstStyle/>
           <a:p>
             <a:r>
-              <a:rPr lang="en-US" dirty="0" smtClean="0"/>
+              <a:rPr lang="en-US" dirty="0"/>
               <a:t>Resource Implementation v Custom Resource</a:t>
             </a:r>
-            <a:endParaRPr lang="en-US" dirty="0"/>
           </a:p>
         </p:txBody>
       </p:sp>
@@ -13360,7 +13176,6 @@
               <a:rPr lang="en-US" sz="2000" b="1" dirty="0"/>
               <a:t>/apache/admins/html', </a:t>
             </a:r>
-            <a:endParaRPr lang="en-US" sz="2000" b="1" dirty="0" smtClean="0"/>
           </a:p>
           <a:p>
             <a:pPr>
@@ -13369,12 +13184,8 @@
               </a:lnSpc>
             </a:pPr>
             <a:r>
-              <a:rPr lang="en-US" sz="2000" b="1" dirty="0" smtClean="0"/>
-              <a:t>port</a:t>
-            </a:r>
-            <a:r>
               <a:rPr lang="en-US" sz="2000" b="1" dirty="0"/>
-              <a:t>: 8080)</a:t>
+              <a:t>port: 8080)</a:t>
             </a:r>
           </a:p>
           <a:p>
@@ -13536,18 +13347,13 @@
           </a:p>
           <a:p>
             <a:r>
-              <a:rPr lang="en-US" sz="2000" b="1" dirty="0" smtClean="0">
+              <a:rPr lang="en-US" sz="2000" b="1" dirty="0">
                 <a:latin typeface="Courier New" charset="0"/>
                 <a:ea typeface="Courier New" charset="0"/>
                 <a:cs typeface="Courier New" charset="0"/>
               </a:rPr>
               <a:t>end</a:t>
             </a:r>
-            <a:endParaRPr lang="en-US" sz="2000" b="1" dirty="0">
-              <a:latin typeface="Courier New" charset="0"/>
-              <a:ea typeface="Courier New" charset="0"/>
-              <a:cs typeface="Courier New" charset="0"/>
-            </a:endParaRPr>
           </a:p>
         </p:txBody>
       </p:sp>
@@ -13578,7 +13384,7 @@
           <a:lstStyle/>
           <a:p>
             <a:r>
-              <a:rPr lang="en-US" dirty="0" smtClean="0">
+              <a:rPr lang="en-US" dirty="0">
                 <a:solidFill>
                   <a:schemeClr val="bg1">
                     <a:lumMod val="50000"/>
@@ -13588,19 +13394,19 @@
               <a:t>Functionality | Reliability </a:t>
             </a:r>
             <a:r>
-              <a:rPr lang="en-US" dirty="0" smtClean="0"/>
+              <a:rPr lang="en-US" dirty="0"/>
               <a:t>| </a:t>
             </a:r>
             <a:r>
-              <a:rPr lang="en-US" b="1" dirty="0" smtClean="0"/>
+              <a:rPr lang="en-US" b="1" dirty="0"/>
               <a:t>Usability</a:t>
             </a:r>
             <a:r>
-              <a:rPr lang="en-US" dirty="0" smtClean="0"/>
+              <a:rPr lang="en-US" dirty="0"/>
               <a:t> | </a:t>
             </a:r>
             <a:r>
-              <a:rPr lang="en-US" dirty="0" smtClean="0">
+              <a:rPr lang="en-US" dirty="0">
                 <a:solidFill>
                   <a:schemeClr val="bg1">
                     <a:lumMod val="50000"/>
@@ -13635,15 +13441,7 @@
           <a:p>
             <a:r>
               <a:rPr lang="en-US" b="1" dirty="0"/>
-              <a:t>Is the code easy to understand</a:t>
-            </a:r>
-            <a:r>
-              <a:rPr lang="en-US" b="1" dirty="0" smtClean="0"/>
-              <a:t>? Is </a:t>
-            </a:r>
-            <a:r>
-              <a:rPr lang="en-US" b="1" dirty="0"/>
-              <a:t>it easy to learn?</a:t>
+              <a:t>Is the code easy to understand? Is it easy to learn?</a:t>
             </a:r>
           </a:p>
         </p:txBody>
@@ -13661,13 +13459,6 @@
   <p:transition spd="med">
     <p:fade/>
   </p:transition>
-  <p:timing>
-    <p:tnLst>
-      <p:par>
-        <p:cTn id="1" dur="indefinite" restart="never" nodeType="tmRoot"/>
-      </p:par>
-    </p:tnLst>
-  </p:timing>
 </p:sld>
 </file>
 
@@ -13706,10 +13497,9 @@
           <a:lstStyle/>
           <a:p>
             <a:r>
-              <a:rPr lang="en-US" dirty="0" smtClean="0"/>
+              <a:rPr lang="en-US" dirty="0"/>
               <a:t>Resource Implementation v Custom Resource</a:t>
             </a:r>
-            <a:endParaRPr lang="en-US" dirty="0"/>
           </a:p>
         </p:txBody>
       </p:sp>
@@ -13893,7 +13683,6 @@
               <a:rPr lang="en-US" sz="2000" b="1" dirty="0"/>
               <a:t>/apache/admins/html', </a:t>
             </a:r>
-            <a:endParaRPr lang="en-US" sz="2000" b="1" dirty="0" smtClean="0"/>
           </a:p>
           <a:p>
             <a:pPr>
@@ -13902,12 +13691,8 @@
               </a:lnSpc>
             </a:pPr>
             <a:r>
-              <a:rPr lang="en-US" sz="2000" b="1" dirty="0" smtClean="0"/>
-              <a:t>port</a:t>
-            </a:r>
-            <a:r>
               <a:rPr lang="en-US" sz="2000" b="1" dirty="0"/>
-              <a:t>: 8080)</a:t>
+              <a:t>port: 8080)</a:t>
             </a:r>
           </a:p>
           <a:p>
@@ -14069,18 +13854,13 @@
           </a:p>
           <a:p>
             <a:r>
-              <a:rPr lang="en-US" sz="2000" b="1" dirty="0" smtClean="0">
+              <a:rPr lang="en-US" sz="2000" b="1" dirty="0">
                 <a:latin typeface="Courier New" charset="0"/>
                 <a:ea typeface="Courier New" charset="0"/>
                 <a:cs typeface="Courier New" charset="0"/>
               </a:rPr>
               <a:t>end</a:t>
             </a:r>
-            <a:endParaRPr lang="en-US" sz="2000" b="1" dirty="0">
-              <a:latin typeface="Courier New" charset="0"/>
-              <a:ea typeface="Courier New" charset="0"/>
-              <a:cs typeface="Courier New" charset="0"/>
-            </a:endParaRPr>
           </a:p>
         </p:txBody>
       </p:sp>
@@ -14111,7 +13891,7 @@
           <a:lstStyle/>
           <a:p>
             <a:r>
-              <a:rPr lang="en-US" dirty="0" smtClean="0">
+              <a:rPr lang="en-US" dirty="0">
                 <a:solidFill>
                   <a:schemeClr val="bg1">
                     <a:lumMod val="50000"/>
@@ -14121,19 +13901,19 @@
               <a:t>Functionality | Reliability | Usability </a:t>
             </a:r>
             <a:r>
-              <a:rPr lang="en-US" dirty="0" smtClean="0"/>
+              <a:rPr lang="en-US" dirty="0"/>
               <a:t>| </a:t>
             </a:r>
             <a:r>
-              <a:rPr lang="en-US" b="1" dirty="0" smtClean="0"/>
+              <a:rPr lang="en-US" b="1" dirty="0"/>
               <a:t>Efficiency</a:t>
             </a:r>
             <a:r>
-              <a:rPr lang="en-US" dirty="0" smtClean="0"/>
+              <a:rPr lang="en-US" dirty="0"/>
               <a:t> | </a:t>
             </a:r>
             <a:r>
-              <a:rPr lang="en-US" dirty="0" smtClean="0">
+              <a:rPr lang="en-US" dirty="0">
                 <a:solidFill>
                   <a:schemeClr val="bg1">
                     <a:lumMod val="50000"/>
@@ -14186,13 +13966,6 @@
   <p:transition spd="med">
     <p:fade/>
   </p:transition>
-  <p:timing>
-    <p:tnLst>
-      <p:par>
-        <p:cTn id="1" dur="indefinite" restart="never" nodeType="tmRoot"/>
-      </p:par>
-    </p:tnLst>
-  </p:timing>
 </p:sld>
 </file>
 
@@ -14231,10 +14004,9 @@
           <a:lstStyle/>
           <a:p>
             <a:r>
-              <a:rPr lang="en-US" dirty="0" smtClean="0"/>
+              <a:rPr lang="en-US" dirty="0"/>
               <a:t>Resource Implementation v Custom Resource</a:t>
             </a:r>
-            <a:endParaRPr lang="en-US" dirty="0"/>
           </a:p>
         </p:txBody>
       </p:sp>
@@ -14418,7 +14190,6 @@
               <a:rPr lang="en-US" sz="2000" b="1" dirty="0"/>
               <a:t>/apache/admins/html', </a:t>
             </a:r>
-            <a:endParaRPr lang="en-US" sz="2000" b="1" dirty="0" smtClean="0"/>
           </a:p>
           <a:p>
             <a:pPr>
@@ -14427,12 +14198,8 @@
               </a:lnSpc>
             </a:pPr>
             <a:r>
-              <a:rPr lang="en-US" sz="2000" b="1" dirty="0" smtClean="0"/>
-              <a:t>port</a:t>
-            </a:r>
-            <a:r>
               <a:rPr lang="en-US" sz="2000" b="1" dirty="0"/>
-              <a:t>: 8080)</a:t>
+              <a:t>port: 8080)</a:t>
             </a:r>
           </a:p>
           <a:p>
@@ -14594,18 +14361,13 @@
           </a:p>
           <a:p>
             <a:r>
-              <a:rPr lang="en-US" sz="2000" b="1" dirty="0" smtClean="0">
+              <a:rPr lang="en-US" sz="2000" b="1" dirty="0">
                 <a:latin typeface="Courier New" charset="0"/>
                 <a:ea typeface="Courier New" charset="0"/>
                 <a:cs typeface="Courier New" charset="0"/>
               </a:rPr>
               <a:t>end</a:t>
             </a:r>
-            <a:endParaRPr lang="en-US" sz="2000" b="1" dirty="0">
-              <a:latin typeface="Courier New" charset="0"/>
-              <a:ea typeface="Courier New" charset="0"/>
-              <a:cs typeface="Courier New" charset="0"/>
-            </a:endParaRPr>
           </a:p>
         </p:txBody>
       </p:sp>
@@ -14636,7 +14398,7 @@
           <a:lstStyle/>
           <a:p>
             <a:r>
-              <a:rPr lang="en-US" dirty="0" smtClean="0">
+              <a:rPr lang="en-US" dirty="0">
                 <a:solidFill>
                   <a:schemeClr val="bg1">
                     <a:lumMod val="50000"/>
@@ -14646,19 +14408,19 @@
               <a:t>Functionality | Reliability | Usability | Efficiency </a:t>
             </a:r>
             <a:r>
-              <a:rPr lang="en-US" dirty="0" smtClean="0"/>
+              <a:rPr lang="en-US" dirty="0"/>
               <a:t>| </a:t>
             </a:r>
             <a:r>
-              <a:rPr lang="en-US" b="1" dirty="0" smtClean="0"/>
+              <a:rPr lang="en-US" b="1" dirty="0"/>
               <a:t>Maintainability</a:t>
             </a:r>
             <a:r>
-              <a:rPr lang="en-US" dirty="0" smtClean="0"/>
+              <a:rPr lang="en-US" dirty="0"/>
               <a:t> | </a:t>
             </a:r>
             <a:r>
-              <a:rPr lang="en-US" dirty="0" smtClean="0">
+              <a:rPr lang="en-US" dirty="0">
                 <a:solidFill>
                   <a:schemeClr val="bg1">
                     <a:lumMod val="50000"/>
@@ -14711,13 +14473,6 @@
   <p:transition spd="med">
     <p:fade/>
   </p:transition>
-  <p:timing>
-    <p:tnLst>
-      <p:par>
-        <p:cTn id="1" dur="indefinite" restart="never" nodeType="tmRoot"/>
-      </p:par>
-    </p:tnLst>
-  </p:timing>
 </p:sld>
 </file>
 
@@ -14756,10 +14511,9 @@
           <a:lstStyle/>
           <a:p>
             <a:r>
-              <a:rPr lang="en-US" dirty="0" smtClean="0"/>
+              <a:rPr lang="en-US" dirty="0"/>
               <a:t>Resource Implementation v Custom Resource</a:t>
             </a:r>
-            <a:endParaRPr lang="en-US" dirty="0"/>
           </a:p>
         </p:txBody>
       </p:sp>
@@ -14943,7 +14697,6 @@
               <a:rPr lang="en-US" sz="2000" b="1" dirty="0"/>
               <a:t>/apache/admins/html', </a:t>
             </a:r>
-            <a:endParaRPr lang="en-US" sz="2000" b="1" dirty="0" smtClean="0"/>
           </a:p>
           <a:p>
             <a:pPr>
@@ -14952,12 +14705,8 @@
               </a:lnSpc>
             </a:pPr>
             <a:r>
-              <a:rPr lang="en-US" sz="2000" b="1" dirty="0" smtClean="0"/>
-              <a:t>port</a:t>
-            </a:r>
-            <a:r>
               <a:rPr lang="en-US" sz="2000" b="1" dirty="0"/>
-              <a:t>: 8080)</a:t>
+              <a:t>port: 8080)</a:t>
             </a:r>
           </a:p>
           <a:p>
@@ -15119,18 +14868,13 @@
           </a:p>
           <a:p>
             <a:r>
-              <a:rPr lang="en-US" sz="2000" b="1" dirty="0" smtClean="0">
+              <a:rPr lang="en-US" sz="2000" b="1" dirty="0">
                 <a:latin typeface="Courier New" charset="0"/>
                 <a:ea typeface="Courier New" charset="0"/>
                 <a:cs typeface="Courier New" charset="0"/>
               </a:rPr>
               <a:t>end</a:t>
             </a:r>
-            <a:endParaRPr lang="en-US" sz="2000" b="1" dirty="0">
-              <a:latin typeface="Courier New" charset="0"/>
-              <a:ea typeface="Courier New" charset="0"/>
-              <a:cs typeface="Courier New" charset="0"/>
-            </a:endParaRPr>
           </a:p>
         </p:txBody>
       </p:sp>
@@ -15161,7 +14905,7 @@
           <a:lstStyle/>
           <a:p>
             <a:r>
-              <a:rPr lang="en-US" dirty="0" smtClean="0">
+              <a:rPr lang="en-US" dirty="0">
                 <a:solidFill>
                   <a:schemeClr val="bg1">
                     <a:lumMod val="50000"/>
@@ -15171,11 +14915,11 @@
               <a:t>Functionality | Reliability | Usability | Efficiency | Maintainability </a:t>
             </a:r>
             <a:r>
-              <a:rPr lang="en-US" dirty="0" smtClean="0"/>
+              <a:rPr lang="en-US" dirty="0"/>
               <a:t>| </a:t>
             </a:r>
             <a:r>
-              <a:rPr lang="en-US" b="1" dirty="0" smtClean="0"/>
+              <a:rPr lang="en-US" b="1" dirty="0"/>
               <a:t>Portability </a:t>
             </a:r>
           </a:p>
@@ -15222,13 +14966,6 @@
   <p:transition spd="med">
     <p:fade/>
   </p:transition>
-  <p:timing>
-    <p:tnLst>
-      <p:par>
-        <p:cTn id="1" dur="indefinite" restart="never" nodeType="tmRoot"/>
-      </p:par>
-    </p:tnLst>
-  </p:timing>
 </p:sld>
 </file>
 
@@ -15289,10 +15026,9 @@
           <a:lstStyle/>
           <a:p>
             <a:r>
-              <a:rPr lang="en-US" dirty="0" smtClean="0"/>
+              <a:rPr lang="en-US" dirty="0"/>
               <a:t>There are many ways to critically evaluate code ... if these do not suit your or your team find the ones that do; talk about them and share them.</a:t>
             </a:r>
-            <a:endParaRPr lang="en-US" dirty="0"/>
           </a:p>
         </p:txBody>
       </p:sp>
@@ -15316,7 +15052,7 @@
               <a:buChar char="ü"/>
             </a:pPr>
             <a:r>
-              <a:rPr lang="en-US" dirty="0" smtClean="0"/>
+              <a:rPr lang="en-US" dirty="0"/>
               <a:t>Define the judgment criteria</a:t>
             </a:r>
           </a:p>
@@ -15326,7 +15062,7 @@
               <a:buChar char="ü"/>
             </a:pPr>
             <a:r>
-              <a:rPr lang="en-US" dirty="0" smtClean="0"/>
+              <a:rPr lang="en-US" dirty="0"/>
               <a:t>Evaluate a code sample</a:t>
             </a:r>
           </a:p>
@@ -15345,13 +15081,6 @@
   <p:transition spd="med">
     <p:fade/>
   </p:transition>
-  <p:timing>
-    <p:tnLst>
-      <p:par>
-        <p:cTn id="1" dur="indefinite" restart="never" nodeType="tmRoot"/>
-      </p:par>
-    </p:tnLst>
-  </p:timing>
 </p:sld>
 </file>
 
@@ -15388,10 +15117,9 @@
           <a:lstStyle/>
           <a:p>
             <a:r>
-              <a:rPr lang="en-US" dirty="0" smtClean="0"/>
+              <a:rPr lang="en-US" dirty="0"/>
               <a:t>Objectives</a:t>
             </a:r>
-            <a:endParaRPr lang="en-US" dirty="0"/>
           </a:p>
         </p:txBody>
       </p:sp>
@@ -15411,7 +15139,7 @@
           <a:lstStyle/>
           <a:p>
             <a:r>
-              <a:rPr lang="en-US" dirty="0" smtClean="0"/>
+              <a:rPr lang="en-US" dirty="0"/>
               <a:t>After completing this module, you should be able to:</a:t>
             </a:r>
           </a:p>
@@ -15424,18 +15152,9 @@
               <a:buChar char="Ø"/>
             </a:pPr>
             <a:r>
-              <a:rPr lang="en-US" dirty="0" smtClean="0"/>
-              <a:t>Determine when a Custom </a:t>
-            </a:r>
-            <a:r>
               <a:rPr lang="en-US" dirty="0"/>
-              <a:t>R</a:t>
-            </a:r>
-            <a:r>
-              <a:rPr lang="en-US" dirty="0" smtClean="0"/>
-              <a:t>esource would be beneficial for clarity and reusability</a:t>
-            </a:r>
-            <a:endParaRPr lang="en-US" dirty="0"/>
+              <a:t>Determine when a Custom Resource would be beneficial for clarity and reusability</a:t>
+            </a:r>
           </a:p>
         </p:txBody>
       </p:sp>
@@ -15452,13 +15171,6 @@
   <p:transition spd="med">
     <p:fade/>
   </p:transition>
-  <p:timing>
-    <p:tnLst>
-      <p:par>
-        <p:cTn id="1" dur="indefinite" restart="never" nodeType="tmRoot"/>
-      </p:par>
-    </p:tnLst>
-  </p:timing>
 </p:sld>
 </file>
 
@@ -15497,10 +15209,9 @@
           <a:lstStyle/>
           <a:p>
             <a:r>
-              <a:rPr lang="en-US" dirty="0" smtClean="0"/>
+              <a:rPr lang="en-US" dirty="0"/>
               <a:t>Discussion</a:t>
             </a:r>
-            <a:endParaRPr lang="en-US" dirty="0"/>
           </a:p>
         </p:txBody>
       </p:sp>
@@ -15520,16 +15231,15 @@
           <a:lstStyle/>
           <a:p>
             <a:r>
-              <a:rPr lang="en-US" dirty="0" smtClean="0"/>
+              <a:rPr lang="en-US" dirty="0"/>
               <a:t>What value does reviewing code for functionality, reliability, usability, efficiency, maintainability, portability bring?</a:t>
             </a:r>
           </a:p>
           <a:p>
             <a:r>
-              <a:rPr lang="en-US" b="1" dirty="0" smtClean="0"/>
+              <a:rPr lang="en-US" b="1" dirty="0"/>
               <a:t> </a:t>
             </a:r>
-            <a:endParaRPr lang="en-US" b="1" dirty="0"/>
           </a:p>
           <a:p>
             <a:endParaRPr lang="en-US" dirty="0"/>
@@ -15587,10 +15297,9 @@
           <a:lstStyle/>
           <a:p>
             <a:r>
-              <a:rPr lang="en-US" dirty="0" smtClean="0"/>
+              <a:rPr lang="en-US" dirty="0"/>
               <a:t>Q&amp;A</a:t>
             </a:r>
-            <a:endParaRPr lang="en-US" dirty="0"/>
           </a:p>
         </p:txBody>
       </p:sp>
@@ -15610,10 +15319,9 @@
           <a:lstStyle/>
           <a:p>
             <a:r>
-              <a:rPr lang="en-US" dirty="0" smtClean="0"/>
+              <a:rPr lang="en-US" dirty="0"/>
               <a:t>What questions can we answer for you?</a:t>
             </a:r>
-            <a:endParaRPr lang="en-US" dirty="0"/>
           </a:p>
         </p:txBody>
       </p:sp>
@@ -15630,13 +15338,6 @@
   <p:transition spd="med">
     <p:fade/>
   </p:transition>
-  <p:timing>
-    <p:tnLst>
-      <p:par>
-        <p:cTn id="1" dur="indefinite" restart="never" nodeType="tmRoot"/>
-      </p:par>
-    </p:tnLst>
-  </p:timing>
 </p:sld>
 </file>
 
@@ -15708,10 +15409,9 @@
           <a:lstStyle/>
           <a:p>
             <a:r>
-              <a:rPr lang="en-US" dirty="0" smtClean="0"/>
+              <a:rPr lang="en-US" dirty="0"/>
               <a:t>Evaluation Before Pursuit</a:t>
             </a:r>
-            <a:endParaRPr lang="en-US" dirty="0"/>
           </a:p>
         </p:txBody>
       </p:sp>
@@ -15731,10 +15431,9 @@
           <a:lstStyle/>
           <a:p>
             <a:r>
-              <a:rPr lang="en-US" dirty="0" smtClean="0"/>
+              <a:rPr lang="en-US" dirty="0"/>
               <a:t>Just because I can does not mean I should. It is important to implement solutions that are arguably better software design.</a:t>
             </a:r>
-            <a:endParaRPr lang="en-US" dirty="0"/>
           </a:p>
         </p:txBody>
       </p:sp>
@@ -15758,7 +15457,7 @@
               <a:buChar char="q"/>
             </a:pPr>
             <a:r>
-              <a:rPr lang="en-US" dirty="0" smtClean="0"/>
+              <a:rPr lang="en-US" dirty="0"/>
               <a:t>Define the judgment criteria</a:t>
             </a:r>
           </a:p>
@@ -15768,7 +15467,7 @@
               <a:buChar char="q"/>
             </a:pPr>
             <a:r>
-              <a:rPr lang="en-US" dirty="0" smtClean="0"/>
+              <a:rPr lang="en-US" dirty="0"/>
               <a:t>Evaluate a code sample</a:t>
             </a:r>
           </a:p>
@@ -15825,10 +15524,9 @@
           <a:lstStyle/>
           <a:p>
             <a:r>
-              <a:rPr lang="en-US" dirty="0" smtClean="0"/>
+              <a:rPr lang="en-US" dirty="0"/>
               <a:t>Software Quality Standards</a:t>
             </a:r>
-            <a:endParaRPr lang="en-US" dirty="0"/>
           </a:p>
         </p:txBody>
       </p:sp>
@@ -15867,13 +15565,6 @@
   <p:transition spd="med">
     <p:fade/>
   </p:transition>
-  <p:timing>
-    <p:tnLst>
-      <p:par>
-        <p:cTn id="1" dur="indefinite" restart="never" nodeType="tmRoot"/>
-      </p:par>
-    </p:tnLst>
-  </p:timing>
 </p:sld>
 </file>
 
@@ -15912,10 +15603,9 @@
           <a:lstStyle/>
           <a:p>
             <a:r>
-              <a:rPr lang="en-US" dirty="0" smtClean="0"/>
+              <a:rPr lang="en-US" dirty="0"/>
               <a:t>Software Quality Standards</a:t>
             </a:r>
-            <a:endParaRPr lang="en-US" dirty="0"/>
           </a:p>
         </p:txBody>
       </p:sp>
@@ -15948,7 +15638,7 @@
               <a:buChar char="Ø"/>
             </a:pPr>
             <a:r>
-              <a:rPr lang="en-US" sz="4000" dirty="0" smtClean="0"/>
+              <a:rPr lang="en-US" sz="4000" dirty="0"/>
               <a:t>Functionality</a:t>
             </a:r>
           </a:p>
@@ -15961,7 +15651,7 @@
               <a:buChar char="Ø"/>
             </a:pPr>
             <a:r>
-              <a:rPr lang="en-US" sz="4000" dirty="0" smtClean="0"/>
+              <a:rPr lang="en-US" sz="4000" dirty="0"/>
               <a:t>Reliability</a:t>
             </a:r>
           </a:p>
@@ -15974,7 +15664,7 @@
               <a:buChar char="Ø"/>
             </a:pPr>
             <a:r>
-              <a:rPr lang="en-US" sz="4000" dirty="0" smtClean="0"/>
+              <a:rPr lang="en-US" sz="4000" dirty="0"/>
               <a:t>Usability</a:t>
             </a:r>
           </a:p>
@@ -16013,10 +15703,9 @@
               <a:buChar char="Ø"/>
             </a:pPr>
             <a:r>
-              <a:rPr lang="en-US" sz="4000" dirty="0" smtClean="0"/>
+              <a:rPr lang="en-US" sz="4000" dirty="0"/>
               <a:t>Portability</a:t>
             </a:r>
-            <a:endParaRPr lang="en-US" sz="4000" dirty="0"/>
           </a:p>
         </p:txBody>
       </p:sp>
@@ -16237,13 +15926,6 @@
   <p:transition spd="med">
     <p:fade/>
   </p:transition>
-  <p:timing>
-    <p:tnLst>
-      <p:par>
-        <p:cTn id="1" dur="indefinite" restart="never" nodeType="tmRoot"/>
-      </p:par>
-    </p:tnLst>
-  </p:timing>
 </p:sld>
 </file>
 
@@ -16282,10 +15964,9 @@
           <a:lstStyle/>
           <a:p>
             <a:r>
-              <a:rPr lang="en-US" dirty="0" smtClean="0"/>
+              <a:rPr lang="en-US" dirty="0"/>
               <a:t>Software Quality Standards</a:t>
             </a:r>
-            <a:endParaRPr lang="en-US" dirty="0"/>
           </a:p>
         </p:txBody>
       </p:sp>
@@ -16525,7 +16206,7 @@
               <a:buChar char="Ø"/>
             </a:pPr>
             <a:r>
-              <a:rPr lang="en-US" sz="4000" b="1" dirty="0" smtClean="0"/>
+              <a:rPr lang="en-US" sz="4000" b="1" dirty="0"/>
               <a:t>Functionality</a:t>
             </a:r>
           </a:p>
@@ -16538,7 +16219,7 @@
               <a:buChar char="Ø"/>
             </a:pPr>
             <a:r>
-              <a:rPr lang="en-US" sz="4000" dirty="0" smtClean="0"/>
+              <a:rPr lang="en-US" sz="4000" dirty="0"/>
               <a:t>Reliability</a:t>
             </a:r>
           </a:p>
@@ -16551,7 +16232,7 @@
               <a:buChar char="Ø"/>
             </a:pPr>
             <a:r>
-              <a:rPr lang="en-US" sz="4000" dirty="0" smtClean="0"/>
+              <a:rPr lang="en-US" sz="4000" dirty="0"/>
               <a:t>Usability</a:t>
             </a:r>
           </a:p>
@@ -16590,10 +16271,9 @@
               <a:buChar char="Ø"/>
             </a:pPr>
             <a:r>
-              <a:rPr lang="en-US" sz="4000" dirty="0" smtClean="0"/>
+              <a:rPr lang="en-US" sz="4000" dirty="0"/>
               <a:t>Portability</a:t>
             </a:r>
-            <a:endParaRPr lang="en-US" sz="4000" dirty="0"/>
           </a:p>
         </p:txBody>
       </p:sp>
@@ -16645,13 +16325,6 @@
   <p:transition spd="med">
     <p:fade/>
   </p:transition>
-  <p:timing>
-    <p:tnLst>
-      <p:par>
-        <p:cTn id="1" dur="indefinite" restart="never" nodeType="tmRoot"/>
-      </p:par>
-    </p:tnLst>
-  </p:timing>
 </p:sld>
 </file>
 
@@ -16897,10 +16570,9 @@
           </a:lstStyle>
           <a:p>
             <a:r>
-              <a:rPr lang="en-US" sz="3200" dirty="0" smtClean="0"/>
+              <a:rPr lang="en-US" sz="3200" dirty="0"/>
               <a:t>Is the solution able to withstand fault and recover from a failure?</a:t>
             </a:r>
-            <a:endParaRPr lang="en-US" sz="3200" dirty="0"/>
           </a:p>
         </p:txBody>
       </p:sp>
@@ -16933,7 +16605,7 @@
               <a:buChar char="Ø"/>
             </a:pPr>
             <a:r>
-              <a:rPr lang="en-US" sz="4000" dirty="0" smtClean="0"/>
+              <a:rPr lang="en-US" sz="4000" dirty="0"/>
               <a:t>Functionality</a:t>
             </a:r>
           </a:p>
@@ -16946,7 +16618,7 @@
               <a:buChar char="Ø"/>
             </a:pPr>
             <a:r>
-              <a:rPr lang="en-US" sz="4000" b="1" dirty="0" smtClean="0"/>
+              <a:rPr lang="en-US" sz="4000" b="1" dirty="0"/>
               <a:t>Reliability</a:t>
             </a:r>
           </a:p>
@@ -16959,7 +16631,7 @@
               <a:buChar char="Ø"/>
             </a:pPr>
             <a:r>
-              <a:rPr lang="en-US" sz="4000" dirty="0" smtClean="0"/>
+              <a:rPr lang="en-US" sz="4000" dirty="0"/>
               <a:t>Usability</a:t>
             </a:r>
           </a:p>
@@ -16998,10 +16670,9 @@
               <a:buChar char="Ø"/>
             </a:pPr>
             <a:r>
-              <a:rPr lang="en-US" sz="4000" dirty="0" smtClean="0"/>
+              <a:rPr lang="en-US" sz="4000" dirty="0"/>
               <a:t>Portability</a:t>
             </a:r>
-            <a:endParaRPr lang="en-US" sz="4000" dirty="0"/>
           </a:p>
         </p:txBody>
       </p:sp>
@@ -17053,13 +16724,6 @@
   <p:transition spd="med">
     <p:fade/>
   </p:transition>
-  <p:timing>
-    <p:tnLst>
-      <p:par>
-        <p:cTn id="1" dur="indefinite" restart="never" nodeType="tmRoot"/>
-      </p:par>
-    </p:tnLst>
-  </p:timing>
 </p:sld>
 </file>
 
@@ -17305,16 +16969,15 @@
           </a:lstStyle>
           <a:p>
             <a:r>
-              <a:rPr lang="en-US" sz="3200" dirty="0" smtClean="0"/>
+              <a:rPr lang="en-US" sz="3200" dirty="0"/>
               <a:t>Is the code easy to understand?</a:t>
             </a:r>
           </a:p>
           <a:p>
             <a:r>
-              <a:rPr lang="en-US" sz="3200" dirty="0" smtClean="0"/>
+              <a:rPr lang="en-US" sz="3200" dirty="0"/>
               <a:t>Is it easy to learn?</a:t>
             </a:r>
-            <a:endParaRPr lang="en-US" sz="3200" dirty="0"/>
           </a:p>
         </p:txBody>
       </p:sp>
@@ -17347,7 +17010,7 @@
               <a:buChar char="Ø"/>
             </a:pPr>
             <a:r>
-              <a:rPr lang="en-US" sz="4000" dirty="0" smtClean="0"/>
+              <a:rPr lang="en-US" sz="4000" dirty="0"/>
               <a:t>Functionality</a:t>
             </a:r>
           </a:p>
@@ -17360,7 +17023,7 @@
               <a:buChar char="Ø"/>
             </a:pPr>
             <a:r>
-              <a:rPr lang="en-US" sz="4000" dirty="0" smtClean="0"/>
+              <a:rPr lang="en-US" sz="4000" dirty="0"/>
               <a:t>Reliability</a:t>
             </a:r>
           </a:p>
@@ -17373,7 +17036,7 @@
               <a:buChar char="Ø"/>
             </a:pPr>
             <a:r>
-              <a:rPr lang="en-US" sz="4000" b="1" dirty="0" smtClean="0"/>
+              <a:rPr lang="en-US" sz="4000" b="1" dirty="0"/>
               <a:t>Usability</a:t>
             </a:r>
           </a:p>
@@ -17412,10 +17075,9 @@
               <a:buChar char="Ø"/>
             </a:pPr>
             <a:r>
-              <a:rPr lang="en-US" sz="4000" dirty="0" smtClean="0"/>
+              <a:rPr lang="en-US" sz="4000" dirty="0"/>
               <a:t>Portability</a:t>
             </a:r>
-            <a:endParaRPr lang="en-US" sz="4000" dirty="0"/>
           </a:p>
         </p:txBody>
       </p:sp>
@@ -17467,13 +17129,6 @@
   <p:transition spd="med">
     <p:fade/>
   </p:transition>
-  <p:timing>
-    <p:tnLst>
-      <p:par>
-        <p:cTn id="1" dur="indefinite" restart="never" nodeType="tmRoot"/>
-      </p:par>
-    </p:tnLst>
-  </p:timing>
 </p:sld>
 </file>
 
@@ -17719,10 +17374,9 @@
           </a:lstStyle>
           <a:p>
             <a:r>
-              <a:rPr lang="en-US" sz="3200" dirty="0" smtClean="0"/>
+              <a:rPr lang="en-US" sz="3200" dirty="0"/>
               <a:t>Does the code consume too many physical resources when it executes (e.g. CPU, memory)?</a:t>
             </a:r>
-            <a:endParaRPr lang="en-US" sz="3200" dirty="0"/>
           </a:p>
         </p:txBody>
       </p:sp>
@@ -17755,7 +17409,7 @@
               <a:buChar char="Ø"/>
             </a:pPr>
             <a:r>
-              <a:rPr lang="en-US" sz="4000" dirty="0" smtClean="0"/>
+              <a:rPr lang="en-US" sz="4000" dirty="0"/>
               <a:t>Functionality</a:t>
             </a:r>
           </a:p>
@@ -17768,7 +17422,7 @@
               <a:buChar char="Ø"/>
             </a:pPr>
             <a:r>
-              <a:rPr lang="en-US" sz="4000" dirty="0" smtClean="0"/>
+              <a:rPr lang="en-US" sz="4000" dirty="0"/>
               <a:t>Reliability</a:t>
             </a:r>
           </a:p>
@@ -17781,7 +17435,7 @@
               <a:buChar char="Ø"/>
             </a:pPr>
             <a:r>
-              <a:rPr lang="en-US" sz="4000" dirty="0" smtClean="0"/>
+              <a:rPr lang="en-US" sz="4000" dirty="0"/>
               <a:t>Usability</a:t>
             </a:r>
           </a:p>
@@ -17820,10 +17474,9 @@
               <a:buChar char="Ø"/>
             </a:pPr>
             <a:r>
-              <a:rPr lang="en-US" sz="4000" dirty="0" smtClean="0"/>
+              <a:rPr lang="en-US" sz="4000" dirty="0"/>
               <a:t>Portability</a:t>
             </a:r>
-            <a:endParaRPr lang="en-US" sz="4000" dirty="0"/>
           </a:p>
         </p:txBody>
       </p:sp>
@@ -17875,13 +17528,6 @@
   <p:transition spd="med">
     <p:fade/>
   </p:transition>
-  <p:timing>
-    <p:tnLst>
-      <p:par>
-        <p:cTn id="1" dur="indefinite" restart="never" nodeType="tmRoot"/>
-      </p:par>
-    </p:tnLst>
-  </p:timing>
 </p:sld>
 </file>
 
@@ -19216,15 +18862,6 @@
 </file>
 
 <file path=customXml/item1.xml><?xml version="1.0" encoding="utf-8"?>
-<?mso-contentType ?>
-<FormTemplates xmlns="http://schemas.microsoft.com/sharepoint/v3/contenttype/forms">
-  <Display>DocumentLibraryForm</Display>
-  <Edit>DocumentLibraryForm</Edit>
-  <New>DocumentLibraryForm</New>
-</FormTemplates>
-</file>
-
-<file path=customXml/item2.xml><?xml version="1.0" encoding="utf-8"?>
 <p:properties xmlns:p="http://schemas.microsoft.com/office/2006/metadata/properties" xmlns:xsi="http://www.w3.org/2001/XMLSchema-instance" xmlns:pc="http://schemas.microsoft.com/office/infopath/2007/PartnerControls">
   <documentManagement>
     <_dlc_DocId xmlns="7bb5d761-a2ea-4873-95f7-7a6658fb3ef0">M4CWTKMW727E-592-73</_dlc_DocId>
@@ -19236,7 +18873,62 @@
 </p:properties>
 </file>
 
+<file path=customXml/item2.xml><?xml version="1.0" encoding="utf-8"?>
+<?mso-contentType ?>
+<FormTemplates xmlns="http://schemas.microsoft.com/sharepoint/v3/contenttype/forms">
+  <Display>DocumentLibraryForm</Display>
+  <Edit>DocumentLibraryForm</Edit>
+  <New>DocumentLibraryForm</New>
+</FormTemplates>
+</file>
+
 <file path=customXml/item3.xml><?xml version="1.0" encoding="utf-8"?>
+<?mso-contentType ?>
+<spe:Receivers xmlns:spe="http://schemas.microsoft.com/sharepoint/events">
+  <Receiver>
+    <Name>Document ID Generator</Name>
+    <Synchronization>Synchronous</Synchronization>
+    <Type>10001</Type>
+    <SequenceNumber>1000</SequenceNumber>
+    <Assembly>Microsoft.Office.DocumentManagement, Version=14.0.0.0, Culture=neutral, PublicKeyToken=71e9bce111e9429c</Assembly>
+    <Class>Microsoft.Office.DocumentManagement.Internal.DocIdHandler</Class>
+    <Data/>
+    <Filter/>
+  </Receiver>
+  <Receiver>
+    <Name>Document ID Generator</Name>
+    <Synchronization>Synchronous</Synchronization>
+    <Type>10002</Type>
+    <SequenceNumber>1001</SequenceNumber>
+    <Assembly>Microsoft.Office.DocumentManagement, Version=14.0.0.0, Culture=neutral, PublicKeyToken=71e9bce111e9429c</Assembly>
+    <Class>Microsoft.Office.DocumentManagement.Internal.DocIdHandler</Class>
+    <Data/>
+    <Filter/>
+  </Receiver>
+  <Receiver>
+    <Name>Document ID Generator</Name>
+    <Synchronization>Synchronous</Synchronization>
+    <Type>10004</Type>
+    <SequenceNumber>1002</SequenceNumber>
+    <Assembly>Microsoft.Office.DocumentManagement, Version=14.0.0.0, Culture=neutral, PublicKeyToken=71e9bce111e9429c</Assembly>
+    <Class>Microsoft.Office.DocumentManagement.Internal.DocIdHandler</Class>
+    <Data/>
+    <Filter/>
+  </Receiver>
+  <Receiver>
+    <Name>Document ID Generator</Name>
+    <Synchronization>Synchronous</Synchronization>
+    <Type>10006</Type>
+    <SequenceNumber>1003</SequenceNumber>
+    <Assembly>Microsoft.Office.DocumentManagement, Version=14.0.0.0, Culture=neutral, PublicKeyToken=71e9bce111e9429c</Assembly>
+    <Class>Microsoft.Office.DocumentManagement.Internal.DocIdHandler</Class>
+    <Data/>
+    <Filter/>
+  </Receiver>
+</spe:Receivers>
+</file>
+
+<file path=customXml/item4.xml><?xml version="1.0" encoding="utf-8"?>
 <ct:contentTypeSchema xmlns:ct="http://schemas.microsoft.com/office/2006/metadata/contentType" xmlns:ma="http://schemas.microsoft.com/office/2006/metadata/properties/metaAttributes" ct:_="" ma:_="" ma:contentTypeName="Document" ma:contentTypeID="0x0101000812F700BE7F874999720E88173FE491" ma:contentTypeVersion="0" ma:contentTypeDescription="Create a new document." ma:contentTypeScope="" ma:versionID="3f79f408e2ca720b7aba6e0e32464d0c">
   <xsd:schema xmlns:xsd="http://www.w3.org/2001/XMLSchema" xmlns:xs="http://www.w3.org/2001/XMLSchema" xmlns:p="http://schemas.microsoft.com/office/2006/metadata/properties" xmlns:ns2="7bb5d761-a2ea-4873-95f7-7a6658fb3ef0" targetNamespace="http://schemas.microsoft.com/office/2006/metadata/properties" ma:root="true" ma:fieldsID="1e062cd38ba31e406bfc4340fbc7f87a" ns2:_="">
     <xsd:import namespace="7bb5d761-a2ea-4873-95f7-7a6658fb3ef0"/>
@@ -19381,53 +19073,23 @@
 </ct:contentTypeSchema>
 </file>
 
-<file path=customXml/item4.xml><?xml version="1.0" encoding="utf-8"?>
-<?mso-contentType ?>
-<spe:Receivers xmlns:spe="http://schemas.microsoft.com/sharepoint/events">
-  <Receiver>
-    <Name>Document ID Generator</Name>
-    <Synchronization>Synchronous</Synchronization>
-    <Type>10001</Type>
-    <SequenceNumber>1000</SequenceNumber>
-    <Assembly>Microsoft.Office.DocumentManagement, Version=14.0.0.0, Culture=neutral, PublicKeyToken=71e9bce111e9429c</Assembly>
-    <Class>Microsoft.Office.DocumentManagement.Internal.DocIdHandler</Class>
-    <Data/>
-    <Filter/>
-  </Receiver>
-  <Receiver>
-    <Name>Document ID Generator</Name>
-    <Synchronization>Synchronous</Synchronization>
-    <Type>10002</Type>
-    <SequenceNumber>1001</SequenceNumber>
-    <Assembly>Microsoft.Office.DocumentManagement, Version=14.0.0.0, Culture=neutral, PublicKeyToken=71e9bce111e9429c</Assembly>
-    <Class>Microsoft.Office.DocumentManagement.Internal.DocIdHandler</Class>
-    <Data/>
-    <Filter/>
-  </Receiver>
-  <Receiver>
-    <Name>Document ID Generator</Name>
-    <Synchronization>Synchronous</Synchronization>
-    <Type>10004</Type>
-    <SequenceNumber>1002</SequenceNumber>
-    <Assembly>Microsoft.Office.DocumentManagement, Version=14.0.0.0, Culture=neutral, PublicKeyToken=71e9bce111e9429c</Assembly>
-    <Class>Microsoft.Office.DocumentManagement.Internal.DocIdHandler</Class>
-    <Data/>
-    <Filter/>
-  </Receiver>
-  <Receiver>
-    <Name>Document ID Generator</Name>
-    <Synchronization>Synchronous</Synchronization>
-    <Type>10006</Type>
-    <SequenceNumber>1003</SequenceNumber>
-    <Assembly>Microsoft.Office.DocumentManagement, Version=14.0.0.0, Culture=neutral, PublicKeyToken=71e9bce111e9429c</Assembly>
-    <Class>Microsoft.Office.DocumentManagement.Internal.DocIdHandler</Class>
-    <Data/>
-    <Filter/>
-  </Receiver>
-</spe:Receivers>
+<file path=customXml/itemProps1.xml><?xml version="1.0" encoding="utf-8"?>
+<ds:datastoreItem xmlns:ds="http://schemas.openxmlformats.org/officeDocument/2006/customXml" ds:itemID="{6921749B-AEB7-461B-845F-603CABD25259}">
+  <ds:schemaRefs>
+    <ds:schemaRef ds:uri="http://purl.org/dc/elements/1.1/"/>
+    <ds:schemaRef ds:uri="http://schemas.microsoft.com/office/2006/metadata/properties"/>
+    <ds:schemaRef ds:uri="http://schemas.microsoft.com/office/2006/documentManagement/types"/>
+    <ds:schemaRef ds:uri="7bb5d761-a2ea-4873-95f7-7a6658fb3ef0"/>
+    <ds:schemaRef ds:uri="http://purl.org/dc/terms/"/>
+    <ds:schemaRef ds:uri="http://schemas.openxmlformats.org/package/2006/metadata/core-properties"/>
+    <ds:schemaRef ds:uri="http://purl.org/dc/dcmitype/"/>
+    <ds:schemaRef ds:uri="http://schemas.microsoft.com/office/infopath/2007/PartnerControls"/>
+    <ds:schemaRef ds:uri="http://www.w3.org/XML/1998/namespace"/>
+  </ds:schemaRefs>
+</ds:datastoreItem>
 </file>
 
-<file path=customXml/itemProps1.xml><?xml version="1.0" encoding="utf-8"?>
+<file path=customXml/itemProps2.xml><?xml version="1.0" encoding="utf-8"?>
 <ds:datastoreItem xmlns:ds="http://schemas.openxmlformats.org/officeDocument/2006/customXml" ds:itemID="{5CDEB364-43EC-4510-9881-539C2A3FCE9E}">
   <ds:schemaRefs>
     <ds:schemaRef ds:uri="http://schemas.microsoft.com/sharepoint/v3/contenttype/forms"/>
@@ -19435,23 +19097,15 @@
 </ds:datastoreItem>
 </file>
 
-<file path=customXml/itemProps2.xml><?xml version="1.0" encoding="utf-8"?>
-<ds:datastoreItem xmlns:ds="http://schemas.openxmlformats.org/officeDocument/2006/customXml" ds:itemID="{6921749B-AEB7-461B-845F-603CABD25259}">
+<file path=customXml/itemProps3.xml><?xml version="1.0" encoding="utf-8"?>
+<ds:datastoreItem xmlns:ds="http://schemas.openxmlformats.org/officeDocument/2006/customXml" ds:itemID="{B13EBC30-FE27-4C6A-B723-23FC2188F7DC}">
   <ds:schemaRefs>
-    <ds:schemaRef ds:uri="7bb5d761-a2ea-4873-95f7-7a6658fb3ef0"/>
-    <ds:schemaRef ds:uri="http://purl.org/dc/terms/"/>
-    <ds:schemaRef ds:uri="http://schemas.openxmlformats.org/package/2006/metadata/core-properties"/>
-    <ds:schemaRef ds:uri="http://purl.org/dc/dcmitype/"/>
-    <ds:schemaRef ds:uri="http://schemas.microsoft.com/office/2006/documentManagement/types"/>
-    <ds:schemaRef ds:uri="http://purl.org/dc/elements/1.1/"/>
-    <ds:schemaRef ds:uri="http://schemas.microsoft.com/office/2006/metadata/properties"/>
-    <ds:schemaRef ds:uri="http://schemas.microsoft.com/office/infopath/2007/PartnerControls"/>
-    <ds:schemaRef ds:uri="http://www.w3.org/XML/1998/namespace"/>
+    <ds:schemaRef ds:uri="http://schemas.microsoft.com/sharepoint/events"/>
   </ds:schemaRefs>
 </ds:datastoreItem>
 </file>
 
-<file path=customXml/itemProps3.xml><?xml version="1.0" encoding="utf-8"?>
+<file path=customXml/itemProps4.xml><?xml version="1.0" encoding="utf-8"?>
 <ds:datastoreItem xmlns:ds="http://schemas.openxmlformats.org/officeDocument/2006/customXml" ds:itemID="{164479E5-0B02-49AC-B79E-EC1D6164DDD3}">
   <ds:schemaRefs>
     <ds:schemaRef ds:uri="http://schemas.microsoft.com/office/2006/metadata/contentType"/>
@@ -19467,12 +19121,4 @@
     <ds:schemaRef ds:uri="http://schemas.microsoft.com/internal/obd"/>
   </ds:schemaRefs>
 </ds:datastoreItem>
-</file>
-
-<file path=customXml/itemProps4.xml><?xml version="1.0" encoding="utf-8"?>
-<ds:datastoreItem xmlns:ds="http://schemas.openxmlformats.org/officeDocument/2006/customXml" ds:itemID="{B13EBC30-FE27-4C6A-B723-23FC2188F7DC}">
-  <ds:schemaRefs>
-    <ds:schemaRef ds:uri="http://schemas.microsoft.com/sharepoint/events"/>
-  </ds:schemaRefs>
-</ds:datastoreItem>
 </file>